--- a/Docs/litrature Review/CDU screen for Tacan 2409241520.pptx
+++ b/Docs/litrature Review/CDU screen for Tacan 2409241520.pptx
@@ -1,17 +1,17 @@
 
 <file path=ppt/presentation.xml><?xml version="1.0" encoding="utf-8"?>
-<p:presentation xmlns:a="http://schemas.openxmlformats.org/drawingml/2006/main" xmlns:r="http://schemas.openxmlformats.org/officeDocument/2006/relationships" xmlns:p="http://schemas.openxmlformats.org/presentationml/2006/main" saveSubsetFonts="1">
+<p:presentation xmlns:a="http://schemas.openxmlformats.org/drawingml/2006/main" xmlns:r="http://schemas.openxmlformats.org/officeDocument/2006/relationships" xmlns:p="http://schemas.openxmlformats.org/presentationml/2006/main">
   <p:sldMasterIdLst>
     <p:sldMasterId id="2147483648" r:id="rId1"/>
   </p:sldMasterIdLst>
   <p:notesMasterIdLst>
-    <p:notesMasterId r:id="rId6"/>
+    <p:notesMasterId r:id="rId5"/>
   </p:notesMasterIdLst>
   <p:sldIdLst>
-    <p:sldId id="256" r:id="rId2"/>
-    <p:sldId id="257" r:id="rId3"/>
-    <p:sldId id="258" r:id="rId4"/>
-    <p:sldId id="259" r:id="rId5"/>
+    <p:sldId id="256" r:id="rId3"/>
+    <p:sldId id="257" r:id="rId4"/>
+    <p:sldId id="258" r:id="rId6"/>
+    <p:sldId id="259" r:id="rId7"/>
   </p:sldIdLst>
   <p:sldSz cx="9144000" cy="6858000" type="screen4x3"/>
   <p:notesSz cx="6858000" cy="9144000"/>
@@ -110,6 +110,22 @@
       </a:defRPr>
     </a:lvl9pPr>
   </p:defaultTextStyle>
+  <p:extLst>
+    <p:ext uri="{EFAFB233-063F-42B5-8137-9DF3F51BA10A}">
+      <p15:sldGuideLst xmlns:p15="http://schemas.microsoft.com/office/powerpoint/2012/main">
+        <p15:guide id="1" orient="horz" pos="2129" userDrawn="1">
+          <p15:clr>
+            <a:srgbClr val="A4A3A4"/>
+          </p15:clr>
+        </p15:guide>
+        <p15:guide id="2" pos="2878" userDrawn="1">
+          <p15:clr>
+            <a:srgbClr val="A4A3A4"/>
+          </p15:clr>
+        </p15:guide>
+      </p15:sldGuideLst>
+    </p:ext>
+  </p:extLst>
 </p:presentation>
 </file>
 
@@ -195,7 +211,6 @@
           <a:p>
             <a:fld id="{10EFAE1B-6EEF-4EC4-B375-F34D9D674576}" type="datetimeFigureOut">
               <a:rPr lang="en-US" smtClean="0"/>
-              <a:t>9/24/2024</a:t>
             </a:fld>
             <a:endParaRPr lang="en-US"/>
           </a:p>
@@ -264,6 +279,7 @@
               <a:rPr lang="en-US" smtClean="0"/>
               <a:t>Click to edit Master text styles</a:t>
             </a:r>
+            <a:endParaRPr lang="en-US" smtClean="0"/>
           </a:p>
           <a:p>
             <a:pPr lvl="1"/>
@@ -271,6 +287,7 @@
               <a:rPr lang="en-US" smtClean="0"/>
               <a:t>Second level</a:t>
             </a:r>
+            <a:endParaRPr lang="en-US" smtClean="0"/>
           </a:p>
           <a:p>
             <a:pPr lvl="2"/>
@@ -278,6 +295,7 @@
               <a:rPr lang="en-US" smtClean="0"/>
               <a:t>Third level</a:t>
             </a:r>
+            <a:endParaRPr lang="en-US" smtClean="0"/>
           </a:p>
           <a:p>
             <a:pPr lvl="3"/>
@@ -285,6 +303,7 @@
               <a:rPr lang="en-US" smtClean="0"/>
               <a:t>Fourth level</a:t>
             </a:r>
+            <a:endParaRPr lang="en-US" smtClean="0"/>
           </a:p>
           <a:p>
             <a:pPr lvl="4"/>
@@ -356,7 +375,6 @@
           <a:p>
             <a:fld id="{D447B44C-057E-4381-ABBF-5BC123E7DA0A}" type="slidenum">
               <a:rPr lang="en-US" smtClean="0"/>
-              <a:t>‹#›</a:t>
             </a:fld>
             <a:endParaRPr lang="en-US"/>
           </a:p>
@@ -878,7 +896,6 @@
           <a:p>
             <a:fld id="{4A8B6CAB-FC2C-4FE4-B33E-622D3CD23CA4}" type="datetimeFigureOut">
               <a:rPr lang="en-US" smtClean="0"/>
-              <a:t>9/24/2024</a:t>
             </a:fld>
             <a:endParaRPr lang="en-US"/>
           </a:p>
@@ -920,7 +937,6 @@
           <a:p>
             <a:fld id="{7F6E576B-A46C-4E4D-BBE9-14D3292A345A}" type="slidenum">
               <a:rPr lang="en-US" smtClean="0"/>
-              <a:t>‹#›</a:t>
             </a:fld>
             <a:endParaRPr lang="en-US"/>
           </a:p>
@@ -994,6 +1010,7 @@
               <a:rPr lang="en-US" smtClean="0"/>
               <a:t>Click to edit Master text styles</a:t>
             </a:r>
+            <a:endParaRPr lang="en-US" smtClean="0"/>
           </a:p>
           <a:p>
             <a:pPr lvl="1"/>
@@ -1001,6 +1018,7 @@
               <a:rPr lang="en-US" smtClean="0"/>
               <a:t>Second level</a:t>
             </a:r>
+            <a:endParaRPr lang="en-US" smtClean="0"/>
           </a:p>
           <a:p>
             <a:pPr lvl="2"/>
@@ -1008,6 +1026,7 @@
               <a:rPr lang="en-US" smtClean="0"/>
               <a:t>Third level</a:t>
             </a:r>
+            <a:endParaRPr lang="en-US" smtClean="0"/>
           </a:p>
           <a:p>
             <a:pPr lvl="3"/>
@@ -1015,6 +1034,7 @@
               <a:rPr lang="en-US" smtClean="0"/>
               <a:t>Fourth level</a:t>
             </a:r>
+            <a:endParaRPr lang="en-US" smtClean="0"/>
           </a:p>
           <a:p>
             <a:pPr lvl="4"/>
@@ -1043,7 +1063,6 @@
           <a:p>
             <a:fld id="{4A8B6CAB-FC2C-4FE4-B33E-622D3CD23CA4}" type="datetimeFigureOut">
               <a:rPr lang="en-US" smtClean="0"/>
-              <a:t>9/24/2024</a:t>
             </a:fld>
             <a:endParaRPr lang="en-US"/>
           </a:p>
@@ -1085,7 +1104,6 @@
           <a:p>
             <a:fld id="{7F6E576B-A46C-4E4D-BBE9-14D3292A345A}" type="slidenum">
               <a:rPr lang="en-US" smtClean="0"/>
-              <a:t>‹#›</a:t>
             </a:fld>
             <a:endParaRPr lang="en-US"/>
           </a:p>
@@ -1169,6 +1187,7 @@
               <a:rPr lang="en-US" smtClean="0"/>
               <a:t>Click to edit Master text styles</a:t>
             </a:r>
+            <a:endParaRPr lang="en-US" smtClean="0"/>
           </a:p>
           <a:p>
             <a:pPr lvl="1"/>
@@ -1176,6 +1195,7 @@
               <a:rPr lang="en-US" smtClean="0"/>
               <a:t>Second level</a:t>
             </a:r>
+            <a:endParaRPr lang="en-US" smtClean="0"/>
           </a:p>
           <a:p>
             <a:pPr lvl="2"/>
@@ -1183,6 +1203,7 @@
               <a:rPr lang="en-US" smtClean="0"/>
               <a:t>Third level</a:t>
             </a:r>
+            <a:endParaRPr lang="en-US" smtClean="0"/>
           </a:p>
           <a:p>
             <a:pPr lvl="3"/>
@@ -1190,6 +1211,7 @@
               <a:rPr lang="en-US" smtClean="0"/>
               <a:t>Fourth level</a:t>
             </a:r>
+            <a:endParaRPr lang="en-US" smtClean="0"/>
           </a:p>
           <a:p>
             <a:pPr lvl="4"/>
@@ -1218,7 +1240,6 @@
           <a:p>
             <a:fld id="{4A8B6CAB-FC2C-4FE4-B33E-622D3CD23CA4}" type="datetimeFigureOut">
               <a:rPr lang="en-US" smtClean="0"/>
-              <a:t>9/24/2024</a:t>
             </a:fld>
             <a:endParaRPr lang="en-US"/>
           </a:p>
@@ -1260,7 +1281,6 @@
           <a:p>
             <a:fld id="{7F6E576B-A46C-4E4D-BBE9-14D3292A345A}" type="slidenum">
               <a:rPr lang="en-US" smtClean="0"/>
-              <a:t>‹#›</a:t>
             </a:fld>
             <a:endParaRPr lang="en-US"/>
           </a:p>
@@ -1334,6 +1354,7 @@
               <a:rPr lang="en-US" smtClean="0"/>
               <a:t>Click to edit Master text styles</a:t>
             </a:r>
+            <a:endParaRPr lang="en-US" smtClean="0"/>
           </a:p>
           <a:p>
             <a:pPr lvl="1"/>
@@ -1341,6 +1362,7 @@
               <a:rPr lang="en-US" smtClean="0"/>
               <a:t>Second level</a:t>
             </a:r>
+            <a:endParaRPr lang="en-US" smtClean="0"/>
           </a:p>
           <a:p>
             <a:pPr lvl="2"/>
@@ -1348,6 +1370,7 @@
               <a:rPr lang="en-US" smtClean="0"/>
               <a:t>Third level</a:t>
             </a:r>
+            <a:endParaRPr lang="en-US" smtClean="0"/>
           </a:p>
           <a:p>
             <a:pPr lvl="3"/>
@@ -1355,6 +1378,7 @@
               <a:rPr lang="en-US" smtClean="0"/>
               <a:t>Fourth level</a:t>
             </a:r>
+            <a:endParaRPr lang="en-US" smtClean="0"/>
           </a:p>
           <a:p>
             <a:pPr lvl="4"/>
@@ -1383,7 +1407,6 @@
           <a:p>
             <a:fld id="{4A8B6CAB-FC2C-4FE4-B33E-622D3CD23CA4}" type="datetimeFigureOut">
               <a:rPr lang="en-US" smtClean="0"/>
-              <a:t>9/24/2024</a:t>
             </a:fld>
             <a:endParaRPr lang="en-US"/>
           </a:p>
@@ -1425,7 +1448,6 @@
           <a:p>
             <a:fld id="{7F6E576B-A46C-4E4D-BBE9-14D3292A345A}" type="slidenum">
               <a:rPr lang="en-US" smtClean="0"/>
-              <a:t>‹#›</a:t>
             </a:fld>
             <a:endParaRPr lang="en-US"/>
           </a:p>
@@ -1604,6 +1626,7 @@
               <a:rPr lang="en-US" smtClean="0"/>
               <a:t>Click to edit Master text styles</a:t>
             </a:r>
+            <a:endParaRPr lang="en-US" smtClean="0"/>
           </a:p>
         </p:txBody>
       </p:sp>
@@ -1624,7 +1647,6 @@
           <a:p>
             <a:fld id="{4A8B6CAB-FC2C-4FE4-B33E-622D3CD23CA4}" type="datetimeFigureOut">
               <a:rPr lang="en-US" smtClean="0"/>
-              <a:t>9/24/2024</a:t>
             </a:fld>
             <a:endParaRPr lang="en-US"/>
           </a:p>
@@ -1666,7 +1688,6 @@
           <a:p>
             <a:fld id="{7F6E576B-A46C-4E4D-BBE9-14D3292A345A}" type="slidenum">
               <a:rPr lang="en-US" smtClean="0"/>
-              <a:t>‹#›</a:t>
             </a:fld>
             <a:endParaRPr lang="en-US"/>
           </a:p>
@@ -1773,6 +1794,7 @@
               <a:rPr lang="en-US" smtClean="0"/>
               <a:t>Click to edit Master text styles</a:t>
             </a:r>
+            <a:endParaRPr lang="en-US" smtClean="0"/>
           </a:p>
           <a:p>
             <a:pPr lvl="1"/>
@@ -1780,6 +1802,7 @@
               <a:rPr lang="en-US" smtClean="0"/>
               <a:t>Second level</a:t>
             </a:r>
+            <a:endParaRPr lang="en-US" smtClean="0"/>
           </a:p>
           <a:p>
             <a:pPr lvl="2"/>
@@ -1787,6 +1810,7 @@
               <a:rPr lang="en-US" smtClean="0"/>
               <a:t>Third level</a:t>
             </a:r>
+            <a:endParaRPr lang="en-US" smtClean="0"/>
           </a:p>
           <a:p>
             <a:pPr lvl="3"/>
@@ -1794,6 +1818,7 @@
               <a:rPr lang="en-US" smtClean="0"/>
               <a:t>Fourth level</a:t>
             </a:r>
+            <a:endParaRPr lang="en-US" smtClean="0"/>
           </a:p>
           <a:p>
             <a:pPr lvl="4"/>
@@ -1858,6 +1883,7 @@
               <a:rPr lang="en-US" smtClean="0"/>
               <a:t>Click to edit Master text styles</a:t>
             </a:r>
+            <a:endParaRPr lang="en-US" smtClean="0"/>
           </a:p>
           <a:p>
             <a:pPr lvl="1"/>
@@ -1865,6 +1891,7 @@
               <a:rPr lang="en-US" smtClean="0"/>
               <a:t>Second level</a:t>
             </a:r>
+            <a:endParaRPr lang="en-US" smtClean="0"/>
           </a:p>
           <a:p>
             <a:pPr lvl="2"/>
@@ -1872,6 +1899,7 @@
               <a:rPr lang="en-US" smtClean="0"/>
               <a:t>Third level</a:t>
             </a:r>
+            <a:endParaRPr lang="en-US" smtClean="0"/>
           </a:p>
           <a:p>
             <a:pPr lvl="3"/>
@@ -1879,6 +1907,7 @@
               <a:rPr lang="en-US" smtClean="0"/>
               <a:t>Fourth level</a:t>
             </a:r>
+            <a:endParaRPr lang="en-US" smtClean="0"/>
           </a:p>
           <a:p>
             <a:pPr lvl="4"/>
@@ -1907,7 +1936,6 @@
           <a:p>
             <a:fld id="{4A8B6CAB-FC2C-4FE4-B33E-622D3CD23CA4}" type="datetimeFigureOut">
               <a:rPr lang="en-US" smtClean="0"/>
-              <a:t>9/24/2024</a:t>
             </a:fld>
             <a:endParaRPr lang="en-US"/>
           </a:p>
@@ -1949,7 +1977,6 @@
           <a:p>
             <a:fld id="{7F6E576B-A46C-4E4D-BBE9-14D3292A345A}" type="slidenum">
               <a:rPr lang="en-US" smtClean="0"/>
-              <a:t>‹#›</a:t>
             </a:fld>
             <a:endParaRPr lang="en-US"/>
           </a:p>
@@ -2069,6 +2096,7 @@
               <a:rPr lang="en-US" smtClean="0"/>
               <a:t>Click to edit Master text styles</a:t>
             </a:r>
+            <a:endParaRPr lang="en-US" smtClean="0"/>
           </a:p>
         </p:txBody>
       </p:sp>
@@ -2125,6 +2153,7 @@
               <a:rPr lang="en-US" smtClean="0"/>
               <a:t>Click to edit Master text styles</a:t>
             </a:r>
+            <a:endParaRPr lang="en-US" smtClean="0"/>
           </a:p>
           <a:p>
             <a:pPr lvl="1"/>
@@ -2132,6 +2161,7 @@
               <a:rPr lang="en-US" smtClean="0"/>
               <a:t>Second level</a:t>
             </a:r>
+            <a:endParaRPr lang="en-US" smtClean="0"/>
           </a:p>
           <a:p>
             <a:pPr lvl="2"/>
@@ -2139,6 +2169,7 @@
               <a:rPr lang="en-US" smtClean="0"/>
               <a:t>Third level</a:t>
             </a:r>
+            <a:endParaRPr lang="en-US" smtClean="0"/>
           </a:p>
           <a:p>
             <a:pPr lvl="3"/>
@@ -2146,6 +2177,7 @@
               <a:rPr lang="en-US" smtClean="0"/>
               <a:t>Fourth level</a:t>
             </a:r>
+            <a:endParaRPr lang="en-US" smtClean="0"/>
           </a:p>
           <a:p>
             <a:pPr lvl="4"/>
@@ -2219,6 +2251,7 @@
               <a:rPr lang="en-US" smtClean="0"/>
               <a:t>Click to edit Master text styles</a:t>
             </a:r>
+            <a:endParaRPr lang="en-US" smtClean="0"/>
           </a:p>
         </p:txBody>
       </p:sp>
@@ -2275,6 +2308,7 @@
               <a:rPr lang="en-US" smtClean="0"/>
               <a:t>Click to edit Master text styles</a:t>
             </a:r>
+            <a:endParaRPr lang="en-US" smtClean="0"/>
           </a:p>
           <a:p>
             <a:pPr lvl="1"/>
@@ -2282,6 +2316,7 @@
               <a:rPr lang="en-US" smtClean="0"/>
               <a:t>Second level</a:t>
             </a:r>
+            <a:endParaRPr lang="en-US" smtClean="0"/>
           </a:p>
           <a:p>
             <a:pPr lvl="2"/>
@@ -2289,6 +2324,7 @@
               <a:rPr lang="en-US" smtClean="0"/>
               <a:t>Third level</a:t>
             </a:r>
+            <a:endParaRPr lang="en-US" smtClean="0"/>
           </a:p>
           <a:p>
             <a:pPr lvl="3"/>
@@ -2296,6 +2332,7 @@
               <a:rPr lang="en-US" smtClean="0"/>
               <a:t>Fourth level</a:t>
             </a:r>
+            <a:endParaRPr lang="en-US" smtClean="0"/>
           </a:p>
           <a:p>
             <a:pPr lvl="4"/>
@@ -2324,7 +2361,6 @@
           <a:p>
             <a:fld id="{4A8B6CAB-FC2C-4FE4-B33E-622D3CD23CA4}" type="datetimeFigureOut">
               <a:rPr lang="en-US" smtClean="0"/>
-              <a:t>9/24/2024</a:t>
             </a:fld>
             <a:endParaRPr lang="en-US"/>
           </a:p>
@@ -2366,7 +2402,6 @@
           <a:p>
             <a:fld id="{7F6E576B-A46C-4E4D-BBE9-14D3292A345A}" type="slidenum">
               <a:rPr lang="en-US" smtClean="0"/>
-              <a:t>‹#›</a:t>
             </a:fld>
             <a:endParaRPr lang="en-US"/>
           </a:p>
@@ -2437,7 +2472,6 @@
           <a:p>
             <a:fld id="{4A8B6CAB-FC2C-4FE4-B33E-622D3CD23CA4}" type="datetimeFigureOut">
               <a:rPr lang="en-US" smtClean="0"/>
-              <a:t>9/24/2024</a:t>
             </a:fld>
             <a:endParaRPr lang="en-US"/>
           </a:p>
@@ -2479,7 +2513,6 @@
           <a:p>
             <a:fld id="{7F6E576B-A46C-4E4D-BBE9-14D3292A345A}" type="slidenum">
               <a:rPr lang="en-US" smtClean="0"/>
-              <a:t>‹#›</a:t>
             </a:fld>
             <a:endParaRPr lang="en-US"/>
           </a:p>
@@ -2527,7 +2560,6 @@
           <a:p>
             <a:fld id="{4A8B6CAB-FC2C-4FE4-B33E-622D3CD23CA4}" type="datetimeFigureOut">
               <a:rPr lang="en-US" smtClean="0"/>
-              <a:t>9/24/2024</a:t>
             </a:fld>
             <a:endParaRPr lang="en-US"/>
           </a:p>
@@ -2569,7 +2601,6 @@
           <a:p>
             <a:fld id="{7F6E576B-A46C-4E4D-BBE9-14D3292A345A}" type="slidenum">
               <a:rPr lang="en-US" smtClean="0"/>
-              <a:t>‹#›</a:t>
             </a:fld>
             <a:endParaRPr lang="en-US"/>
           </a:p>
@@ -2685,6 +2716,7 @@
               <a:rPr lang="en-US" smtClean="0"/>
               <a:t>Click to edit Master text styles</a:t>
             </a:r>
+            <a:endParaRPr lang="en-US" smtClean="0"/>
           </a:p>
           <a:p>
             <a:pPr lvl="1"/>
@@ -2692,6 +2724,7 @@
               <a:rPr lang="en-US" smtClean="0"/>
               <a:t>Second level</a:t>
             </a:r>
+            <a:endParaRPr lang="en-US" smtClean="0"/>
           </a:p>
           <a:p>
             <a:pPr lvl="2"/>
@@ -2699,6 +2732,7 @@
               <a:rPr lang="en-US" smtClean="0"/>
               <a:t>Third level</a:t>
             </a:r>
+            <a:endParaRPr lang="en-US" smtClean="0"/>
           </a:p>
           <a:p>
             <a:pPr lvl="3"/>
@@ -2706,6 +2740,7 @@
               <a:rPr lang="en-US" smtClean="0"/>
               <a:t>Fourth level</a:t>
             </a:r>
+            <a:endParaRPr lang="en-US" smtClean="0"/>
           </a:p>
           <a:p>
             <a:pPr lvl="4"/>
@@ -2779,6 +2814,7 @@
               <a:rPr lang="en-US" smtClean="0"/>
               <a:t>Click to edit Master text styles</a:t>
             </a:r>
+            <a:endParaRPr lang="en-US" smtClean="0"/>
           </a:p>
         </p:txBody>
       </p:sp>
@@ -2799,7 +2835,6 @@
           <a:p>
             <a:fld id="{4A8B6CAB-FC2C-4FE4-B33E-622D3CD23CA4}" type="datetimeFigureOut">
               <a:rPr lang="en-US" smtClean="0"/>
-              <a:t>9/24/2024</a:t>
             </a:fld>
             <a:endParaRPr lang="en-US"/>
           </a:p>
@@ -2841,7 +2876,6 @@
           <a:p>
             <a:fld id="{7F6E576B-A46C-4E4D-BBE9-14D3292A345A}" type="slidenum">
               <a:rPr lang="en-US" smtClean="0"/>
-              <a:t>‹#›</a:t>
             </a:fld>
             <a:endParaRPr lang="en-US"/>
           </a:p>
@@ -3027,6 +3061,7 @@
               <a:rPr lang="en-US" smtClean="0"/>
               <a:t>Click to edit Master text styles</a:t>
             </a:r>
+            <a:endParaRPr lang="en-US" smtClean="0"/>
           </a:p>
         </p:txBody>
       </p:sp>
@@ -3047,7 +3082,6 @@
           <a:p>
             <a:fld id="{4A8B6CAB-FC2C-4FE4-B33E-622D3CD23CA4}" type="datetimeFigureOut">
               <a:rPr lang="en-US" smtClean="0"/>
-              <a:t>9/24/2024</a:t>
             </a:fld>
             <a:endParaRPr lang="en-US"/>
           </a:p>
@@ -3089,7 +3123,6 @@
           <a:p>
             <a:fld id="{7F6E576B-A46C-4E4D-BBE9-14D3292A345A}" type="slidenum">
               <a:rPr lang="en-US" smtClean="0"/>
-              <a:t>‹#›</a:t>
             </a:fld>
             <a:endParaRPr lang="en-US"/>
           </a:p>
@@ -3188,6 +3221,7 @@
               <a:rPr lang="en-US" smtClean="0"/>
               <a:t>Click to edit Master text styles</a:t>
             </a:r>
+            <a:endParaRPr lang="en-US" smtClean="0"/>
           </a:p>
           <a:p>
             <a:pPr lvl="1"/>
@@ -3195,6 +3229,7 @@
               <a:rPr lang="en-US" smtClean="0"/>
               <a:t>Second level</a:t>
             </a:r>
+            <a:endParaRPr lang="en-US" smtClean="0"/>
           </a:p>
           <a:p>
             <a:pPr lvl="2"/>
@@ -3202,6 +3237,7 @@
               <a:rPr lang="en-US" smtClean="0"/>
               <a:t>Third level</a:t>
             </a:r>
+            <a:endParaRPr lang="en-US" smtClean="0"/>
           </a:p>
           <a:p>
             <a:pPr lvl="3"/>
@@ -3209,6 +3245,7 @@
               <a:rPr lang="en-US" smtClean="0"/>
               <a:t>Fourth level</a:t>
             </a:r>
+            <a:endParaRPr lang="en-US" smtClean="0"/>
           </a:p>
           <a:p>
             <a:pPr lvl="4"/>
@@ -3255,7 +3292,6 @@
           <a:p>
             <a:fld id="{4A8B6CAB-FC2C-4FE4-B33E-622D3CD23CA4}" type="datetimeFigureOut">
               <a:rPr lang="en-US" smtClean="0"/>
-              <a:t>9/24/2024</a:t>
             </a:fld>
             <a:endParaRPr lang="en-US"/>
           </a:p>
@@ -3333,7 +3369,6 @@
           <a:p>
             <a:fld id="{7F6E576B-A46C-4E4D-BBE9-14D3292A345A}" type="slidenum">
               <a:rPr lang="en-US" smtClean="0"/>
-              <a:t>‹#›</a:t>
             </a:fld>
             <a:endParaRPr lang="en-US"/>
           </a:p>
@@ -3377,7 +3412,7 @@
         <a:spcBef>
           <a:spcPct val="20000"/>
         </a:spcBef>
-        <a:buFont typeface="Arial" pitchFamily="34" charset="0"/>
+        <a:buFont typeface="Arial" panose="020B0604020202020204" pitchFamily="34" charset="0"/>
         <a:buChar char="•"/>
         <a:defRPr sz="3200" kern="1200">
           <a:solidFill>
@@ -3392,7 +3427,7 @@
         <a:spcBef>
           <a:spcPct val="20000"/>
         </a:spcBef>
-        <a:buFont typeface="Arial" pitchFamily="34" charset="0"/>
+        <a:buFont typeface="Arial" panose="020B0604020202020204" pitchFamily="34" charset="0"/>
         <a:buChar char="–"/>
         <a:defRPr sz="2800" kern="1200">
           <a:solidFill>
@@ -3407,7 +3442,7 @@
         <a:spcBef>
           <a:spcPct val="20000"/>
         </a:spcBef>
-        <a:buFont typeface="Arial" pitchFamily="34" charset="0"/>
+        <a:buFont typeface="Arial" panose="020B0604020202020204" pitchFamily="34" charset="0"/>
         <a:buChar char="•"/>
         <a:defRPr sz="2400" kern="1200">
           <a:solidFill>
@@ -3422,7 +3457,7 @@
         <a:spcBef>
           <a:spcPct val="20000"/>
         </a:spcBef>
-        <a:buFont typeface="Arial" pitchFamily="34" charset="0"/>
+        <a:buFont typeface="Arial" panose="020B0604020202020204" pitchFamily="34" charset="0"/>
         <a:buChar char="–"/>
         <a:defRPr sz="2000" kern="1200">
           <a:solidFill>
@@ -3437,7 +3472,7 @@
         <a:spcBef>
           <a:spcPct val="20000"/>
         </a:spcBef>
-        <a:buFont typeface="Arial" pitchFamily="34" charset="0"/>
+        <a:buFont typeface="Arial" panose="020B0604020202020204" pitchFamily="34" charset="0"/>
         <a:buChar char="»"/>
         <a:defRPr sz="2000" kern="1200">
           <a:solidFill>
@@ -3452,7 +3487,7 @@
         <a:spcBef>
           <a:spcPct val="20000"/>
         </a:spcBef>
-        <a:buFont typeface="Arial" pitchFamily="34" charset="0"/>
+        <a:buFont typeface="Arial" panose="020B0604020202020204" pitchFamily="34" charset="0"/>
         <a:buChar char="•"/>
         <a:defRPr sz="2000" kern="1200">
           <a:solidFill>
@@ -3467,7 +3502,7 @@
         <a:spcBef>
           <a:spcPct val="20000"/>
         </a:spcBef>
-        <a:buFont typeface="Arial" pitchFamily="34" charset="0"/>
+        <a:buFont typeface="Arial" panose="020B0604020202020204" pitchFamily="34" charset="0"/>
         <a:buChar char="•"/>
         <a:defRPr sz="2000" kern="1200">
           <a:solidFill>
@@ -3482,7 +3517,7 @@
         <a:spcBef>
           <a:spcPct val="20000"/>
         </a:spcBef>
-        <a:buFont typeface="Arial" pitchFamily="34" charset="0"/>
+        <a:buFont typeface="Arial" panose="020B0604020202020204" pitchFamily="34" charset="0"/>
         <a:buChar char="•"/>
         <a:defRPr sz="2000" kern="1200">
           <a:solidFill>
@@ -3497,7 +3532,7 @@
         <a:spcBef>
           <a:spcPct val="20000"/>
         </a:spcBef>
-        <a:buFont typeface="Arial" pitchFamily="34" charset="0"/>
+        <a:buFont typeface="Arial" panose="020B0604020202020204" pitchFamily="34" charset="0"/>
         <a:buChar char="•"/>
         <a:defRPr sz="2000" kern="1200">
           <a:solidFill>
@@ -3866,9 +3901,9 @@
               <a:buNone/>
             </a:pPr>
             <a:endParaRPr lang="en-US" sz="1600" dirty="0">
-              <a:latin typeface="Arial" pitchFamily="18"/>
-              <a:ea typeface="Microsoft YaHei" pitchFamily="2"/>
-              <a:cs typeface="Lucida Sans" pitchFamily="2"/>
+              <a:latin typeface="Arial" panose="020B0604020202020204" pitchFamily="18"/>
+              <a:ea typeface="Microsoft YaHei" panose="020B0503020204020204" pitchFamily="2" charset="-122"/>
+              <a:cs typeface="Lucida Sans" panose="020B0602030504020204" pitchFamily="2"/>
             </a:endParaRPr>
           </a:p>
         </p:txBody>
@@ -3989,12 +4024,12 @@
               <a:gd name="f98" fmla="*/ f95 f29 1"/>
             </a:gdLst>
             <a:ahLst>
-              <a:ahXY gdRefX="f0" minX="f7" maxX="f10" gdRefY="" minY="0" maxY="0">
+              <a:ahXY gdRefX="f0" minX="f7" maxX="f10">
                 <a:pos x="f36" y="f37"/>
               </a:ahXY>
             </a:ahLst>
             <a:cxnLst>
-              <a:cxn ang="3cd4">
+              <a:cxn ang="3">
                 <a:pos x="hc" y="t"/>
               </a:cxn>
               <a:cxn ang="0">
@@ -4099,9 +4134,9 @@
               <a:buNone/>
             </a:pPr>
             <a:endParaRPr lang="en-US" sz="1600" dirty="0">
-              <a:latin typeface="Arial" pitchFamily="18"/>
-              <a:ea typeface="Microsoft YaHei" pitchFamily="2"/>
-              <a:cs typeface="Lucida Sans" pitchFamily="2"/>
+              <a:latin typeface="Arial" panose="020B0604020202020204" pitchFamily="18"/>
+              <a:ea typeface="Microsoft YaHei" panose="020B0503020204020204" pitchFamily="2" charset="-122"/>
+              <a:cs typeface="Lucida Sans" panose="020B0602030504020204" pitchFamily="2"/>
             </a:endParaRPr>
           </a:p>
         </p:txBody>
@@ -4222,12 +4257,12 @@
               <a:gd name="f98" fmla="*/ f95 f29 1"/>
             </a:gdLst>
             <a:ahLst>
-              <a:ahXY gdRefX="f0" minX="f7" maxX="f10" gdRefY="" minY="0" maxY="0">
+              <a:ahXY gdRefX="f0" minX="f7" maxX="f10">
                 <a:pos x="f36" y="f37"/>
               </a:ahXY>
             </a:ahLst>
             <a:cxnLst>
-              <a:cxn ang="3cd4">
+              <a:cxn ang="3">
                 <a:pos x="hc" y="t"/>
               </a:cxn>
               <a:cxn ang="0">
@@ -4332,9 +4367,9 @@
               <a:buNone/>
             </a:pPr>
             <a:endParaRPr lang="en-US" sz="1600" dirty="0">
-              <a:latin typeface="Arial" pitchFamily="18"/>
-              <a:ea typeface="Microsoft YaHei" pitchFamily="2"/>
-              <a:cs typeface="Lucida Sans" pitchFamily="2"/>
+              <a:latin typeface="Arial" panose="020B0604020202020204" pitchFamily="18"/>
+              <a:ea typeface="Microsoft YaHei" panose="020B0503020204020204" pitchFamily="2" charset="-122"/>
+              <a:cs typeface="Lucida Sans" panose="020B0602030504020204" pitchFamily="2"/>
             </a:endParaRPr>
           </a:p>
         </p:txBody>
@@ -4455,12 +4490,12 @@
               <a:gd name="f98" fmla="*/ f95 f29 1"/>
             </a:gdLst>
             <a:ahLst>
-              <a:ahXY gdRefX="f0" minX="f7" maxX="f10" gdRefY="" minY="0" maxY="0">
+              <a:ahXY gdRefX="f0" minX="f7" maxX="f10">
                 <a:pos x="f36" y="f37"/>
               </a:ahXY>
             </a:ahLst>
             <a:cxnLst>
-              <a:cxn ang="3cd4">
+              <a:cxn ang="3">
                 <a:pos x="hc" y="t"/>
               </a:cxn>
               <a:cxn ang="0">
@@ -4565,9 +4600,9 @@
               <a:buNone/>
             </a:pPr>
             <a:endParaRPr lang="en-US" sz="1600" dirty="0">
-              <a:latin typeface="Arial" pitchFamily="18"/>
-              <a:ea typeface="Microsoft YaHei" pitchFamily="2"/>
-              <a:cs typeface="Lucida Sans" pitchFamily="2"/>
+              <a:latin typeface="Arial" panose="020B0604020202020204" pitchFamily="18"/>
+              <a:ea typeface="Microsoft YaHei" panose="020B0503020204020204" pitchFamily="2" charset="-122"/>
+              <a:cs typeface="Lucida Sans" panose="020B0602030504020204" pitchFamily="2"/>
             </a:endParaRPr>
           </a:p>
         </p:txBody>
@@ -4688,12 +4723,12 @@
               <a:gd name="f98" fmla="*/ f95 f29 1"/>
             </a:gdLst>
             <a:ahLst>
-              <a:ahXY gdRefX="f0" minX="f7" maxX="f10" gdRefY="" minY="0" maxY="0">
+              <a:ahXY gdRefX="f0" minX="f7" maxX="f10">
                 <a:pos x="f36" y="f37"/>
               </a:ahXY>
             </a:ahLst>
             <a:cxnLst>
-              <a:cxn ang="3cd4">
+              <a:cxn ang="3">
                 <a:pos x="hc" y="t"/>
               </a:cxn>
               <a:cxn ang="0">
@@ -4798,9 +4833,9 @@
               <a:buNone/>
             </a:pPr>
             <a:endParaRPr lang="en-US" sz="1600" dirty="0">
-              <a:latin typeface="Arial" pitchFamily="18"/>
-              <a:ea typeface="Microsoft YaHei" pitchFamily="2"/>
-              <a:cs typeface="Lucida Sans" pitchFamily="2"/>
+              <a:latin typeface="Arial" panose="020B0604020202020204" pitchFamily="18"/>
+              <a:ea typeface="Microsoft YaHei" panose="020B0503020204020204" pitchFamily="2" charset="-122"/>
+              <a:cs typeface="Lucida Sans" panose="020B0602030504020204" pitchFamily="2"/>
             </a:endParaRPr>
           </a:p>
         </p:txBody>
@@ -4887,12 +4922,17 @@
             </a:pPr>
             <a:r>
               <a:rPr lang="en-US" sz="1300" dirty="0">
-                <a:latin typeface="Arial" pitchFamily="18"/>
-                <a:ea typeface="Microsoft YaHei" pitchFamily="2"/>
-                <a:cs typeface="Lucida Sans" pitchFamily="2"/>
+                <a:latin typeface="Arial" panose="020B0604020202020204" pitchFamily="18"/>
+                <a:ea typeface="Microsoft YaHei" panose="020B0503020204020204" pitchFamily="2" charset="-122"/>
+                <a:cs typeface="Lucida Sans" panose="020B0602030504020204" pitchFamily="2"/>
               </a:rPr>
               <a:t>NAV </a:t>
             </a:r>
+            <a:endParaRPr lang="en-US" sz="1300" dirty="0">
+              <a:latin typeface="Arial" panose="020B0604020202020204" pitchFamily="18"/>
+              <a:ea typeface="Microsoft YaHei" panose="020B0503020204020204" pitchFamily="2" charset="-122"/>
+              <a:cs typeface="Lucida Sans" panose="020B0602030504020204" pitchFamily="2"/>
+            </a:endParaRPr>
           </a:p>
         </p:txBody>
       </p:sp>
@@ -4978,12 +5018,17 @@
             </a:pPr>
             <a:r>
               <a:rPr lang="en-US" sz="1300" dirty="0">
-                <a:latin typeface="Arial" pitchFamily="18"/>
-                <a:ea typeface="Microsoft YaHei" pitchFamily="2"/>
-                <a:cs typeface="Lucida Sans" pitchFamily="2"/>
+                <a:latin typeface="Arial" panose="020B0604020202020204" pitchFamily="18"/>
+                <a:ea typeface="Microsoft YaHei" panose="020B0503020204020204" pitchFamily="2" charset="-122"/>
+                <a:cs typeface="Lucida Sans" panose="020B0602030504020204" pitchFamily="2"/>
               </a:rPr>
               <a:t>ADF</a:t>
             </a:r>
+            <a:endParaRPr lang="en-US" sz="1300" dirty="0">
+              <a:latin typeface="Arial" panose="020B0604020202020204" pitchFamily="18"/>
+              <a:ea typeface="Microsoft YaHei" panose="020B0503020204020204" pitchFamily="2" charset="-122"/>
+              <a:cs typeface="Lucida Sans" panose="020B0602030504020204" pitchFamily="2"/>
+            </a:endParaRPr>
           </a:p>
         </p:txBody>
       </p:sp>
@@ -5069,12 +5114,17 @@
             </a:pPr>
             <a:r>
               <a:rPr lang="en-US" sz="1300" dirty="0">
-                <a:latin typeface="Arial" pitchFamily="18"/>
-                <a:ea typeface="Microsoft YaHei" pitchFamily="2"/>
-                <a:cs typeface="Lucida Sans" pitchFamily="2"/>
+                <a:latin typeface="Arial" panose="020B0604020202020204" pitchFamily="18"/>
+                <a:ea typeface="Microsoft YaHei" panose="020B0503020204020204" pitchFamily="2" charset="-122"/>
+                <a:cs typeface="Lucida Sans" panose="020B0602030504020204" pitchFamily="2"/>
               </a:rPr>
               <a:t>TACAN</a:t>
             </a:r>
+            <a:endParaRPr lang="en-US" sz="1300" dirty="0">
+              <a:latin typeface="Arial" panose="020B0604020202020204" pitchFamily="18"/>
+              <a:ea typeface="Microsoft YaHei" panose="020B0503020204020204" pitchFamily="2" charset="-122"/>
+              <a:cs typeface="Lucida Sans" panose="020B0602030504020204" pitchFamily="2"/>
+            </a:endParaRPr>
           </a:p>
         </p:txBody>
       </p:sp>
@@ -5160,12 +5210,17 @@
             </a:pPr>
             <a:r>
               <a:rPr lang="en-US" sz="1300" dirty="0">
-                <a:latin typeface="Arial" pitchFamily="18"/>
-                <a:ea typeface="Microsoft YaHei" pitchFamily="2"/>
-                <a:cs typeface="Lucida Sans" pitchFamily="2"/>
+                <a:latin typeface="Arial" panose="020B0604020202020204" pitchFamily="18"/>
+                <a:ea typeface="Microsoft YaHei" panose="020B0503020204020204" pitchFamily="2" charset="-122"/>
+                <a:cs typeface="Lucida Sans" panose="020B0602030504020204" pitchFamily="2"/>
               </a:rPr>
               <a:t>M/B</a:t>
             </a:r>
+            <a:endParaRPr lang="en-US" sz="1300" dirty="0">
+              <a:latin typeface="Arial" panose="020B0604020202020204" pitchFamily="18"/>
+              <a:ea typeface="Microsoft YaHei" panose="020B0503020204020204" pitchFamily="2" charset="-122"/>
+              <a:cs typeface="Lucida Sans" panose="020B0602030504020204" pitchFamily="2"/>
+            </a:endParaRPr>
           </a:p>
         </p:txBody>
       </p:sp>
@@ -5251,16 +5306,16 @@
             </a:pPr>
             <a:r>
               <a:rPr lang="en-US" sz="1600" dirty="0" smtClean="0">
-                <a:latin typeface="Arial" pitchFamily="18"/>
-                <a:ea typeface="Microsoft YaHei" pitchFamily="2"/>
-                <a:cs typeface="Lucida Sans" pitchFamily="2"/>
+                <a:latin typeface="Arial" panose="020B0604020202020204" pitchFamily="18"/>
+                <a:ea typeface="Microsoft YaHei" panose="020B0503020204020204" pitchFamily="2" charset="-122"/>
+                <a:cs typeface="Lucida Sans" panose="020B0602030504020204" pitchFamily="2"/>
               </a:rPr>
               <a:t>HOME</a:t>
             </a:r>
             <a:endParaRPr lang="en-US" sz="1600" dirty="0">
-              <a:latin typeface="Arial" pitchFamily="18"/>
-              <a:ea typeface="Microsoft YaHei" pitchFamily="2"/>
-              <a:cs typeface="Lucida Sans" pitchFamily="2"/>
+              <a:latin typeface="Arial" panose="020B0604020202020204" pitchFamily="18"/>
+              <a:ea typeface="Microsoft YaHei" panose="020B0503020204020204" pitchFamily="2" charset="-122"/>
+              <a:cs typeface="Lucida Sans" panose="020B0602030504020204" pitchFamily="2"/>
             </a:endParaRPr>
           </a:p>
         </p:txBody>
@@ -5381,12 +5436,12 @@
               <a:gd name="f98" fmla="*/ f95 f29 1"/>
             </a:gdLst>
             <a:ahLst>
-              <a:ahXY gdRefX="f0" minX="f7" maxX="f10" gdRefY="" minY="0" maxY="0">
+              <a:ahXY gdRefX="f0" minX="f7" maxX="f10">
                 <a:pos x="f36" y="f37"/>
               </a:ahXY>
             </a:ahLst>
             <a:cxnLst>
-              <a:cxn ang="3cd4">
+              <a:cxn ang="3">
                 <a:pos x="hc" y="t"/>
               </a:cxn>
               <a:cxn ang="0">
@@ -5491,9 +5546,9 @@
               <a:buNone/>
             </a:pPr>
             <a:endParaRPr lang="en-US" sz="1600" dirty="0">
-              <a:latin typeface="Arial" pitchFamily="18"/>
-              <a:ea typeface="Microsoft YaHei" pitchFamily="2"/>
-              <a:cs typeface="Lucida Sans" pitchFamily="2"/>
+              <a:latin typeface="Arial" panose="020B0604020202020204" pitchFamily="18"/>
+              <a:ea typeface="Microsoft YaHei" panose="020B0503020204020204" pitchFamily="2" charset="-122"/>
+              <a:cs typeface="Lucida Sans" panose="020B0602030504020204" pitchFamily="2"/>
             </a:endParaRPr>
           </a:p>
         </p:txBody>
@@ -5614,12 +5669,12 @@
               <a:gd name="f98" fmla="*/ f95 f29 1"/>
             </a:gdLst>
             <a:ahLst>
-              <a:ahXY gdRefX="f0" minX="f7" maxX="f10" gdRefY="" minY="0" maxY="0">
+              <a:ahXY gdRefX="f0" minX="f7" maxX="f10">
                 <a:pos x="f36" y="f37"/>
               </a:ahXY>
             </a:ahLst>
             <a:cxnLst>
-              <a:cxn ang="3cd4">
+              <a:cxn ang="3">
                 <a:pos x="hc" y="t"/>
               </a:cxn>
               <a:cxn ang="0">
@@ -5724,9 +5779,9 @@
               <a:buNone/>
             </a:pPr>
             <a:endParaRPr lang="en-US" sz="1600" dirty="0">
-              <a:latin typeface="Arial" pitchFamily="18"/>
-              <a:ea typeface="Microsoft YaHei" pitchFamily="2"/>
-              <a:cs typeface="Lucida Sans" pitchFamily="2"/>
+              <a:latin typeface="Arial" panose="020B0604020202020204" pitchFamily="18"/>
+              <a:ea typeface="Microsoft YaHei" panose="020B0503020204020204" pitchFamily="2" charset="-122"/>
+              <a:cs typeface="Lucida Sans" panose="020B0602030504020204" pitchFamily="2"/>
             </a:endParaRPr>
           </a:p>
         </p:txBody>
@@ -5847,12 +5902,12 @@
               <a:gd name="f98" fmla="*/ f95 f29 1"/>
             </a:gdLst>
             <a:ahLst>
-              <a:ahXY gdRefX="f0" minX="f7" maxX="f10" gdRefY="" minY="0" maxY="0">
+              <a:ahXY gdRefX="f0" minX="f7" maxX="f10">
                 <a:pos x="f36" y="f37"/>
               </a:ahXY>
             </a:ahLst>
             <a:cxnLst>
-              <a:cxn ang="3cd4">
+              <a:cxn ang="3">
                 <a:pos x="hc" y="t"/>
               </a:cxn>
               <a:cxn ang="0">
@@ -5957,9 +6012,9 @@
               <a:buNone/>
             </a:pPr>
             <a:endParaRPr lang="en-US" sz="1600" dirty="0">
-              <a:latin typeface="Arial" pitchFamily="18"/>
-              <a:ea typeface="Microsoft YaHei" pitchFamily="2"/>
-              <a:cs typeface="Lucida Sans" pitchFamily="2"/>
+              <a:latin typeface="Arial" panose="020B0604020202020204" pitchFamily="18"/>
+              <a:ea typeface="Microsoft YaHei" panose="020B0503020204020204" pitchFamily="2" charset="-122"/>
+              <a:cs typeface="Lucida Sans" panose="020B0602030504020204" pitchFamily="2"/>
             </a:endParaRPr>
           </a:p>
         </p:txBody>
@@ -6080,12 +6135,12 @@
               <a:gd name="f98" fmla="*/ f95 f29 1"/>
             </a:gdLst>
             <a:ahLst>
-              <a:ahXY gdRefX="f0" minX="f7" maxX="f10" gdRefY="" minY="0" maxY="0">
+              <a:ahXY gdRefX="f0" minX="f7" maxX="f10">
                 <a:pos x="f36" y="f37"/>
               </a:ahXY>
             </a:ahLst>
             <a:cxnLst>
-              <a:cxn ang="3cd4">
+              <a:cxn ang="3">
                 <a:pos x="hc" y="t"/>
               </a:cxn>
               <a:cxn ang="0">
@@ -6190,9 +6245,9 @@
               <a:buNone/>
             </a:pPr>
             <a:endParaRPr lang="en-US" sz="1600" dirty="0">
-              <a:latin typeface="Arial" pitchFamily="18"/>
-              <a:ea typeface="Microsoft YaHei" pitchFamily="2"/>
-              <a:cs typeface="Lucida Sans" pitchFamily="2"/>
+              <a:latin typeface="Arial" panose="020B0604020202020204" pitchFamily="18"/>
+              <a:ea typeface="Microsoft YaHei" panose="020B0503020204020204" pitchFamily="2" charset="-122"/>
+              <a:cs typeface="Lucida Sans" panose="020B0602030504020204" pitchFamily="2"/>
             </a:endParaRPr>
           </a:p>
         </p:txBody>
@@ -6279,16 +6334,16 @@
             </a:pPr>
             <a:r>
               <a:rPr lang="en-US" sz="1600" dirty="0" smtClean="0">
-                <a:latin typeface="Arial" pitchFamily="18"/>
-                <a:ea typeface="Microsoft YaHei" pitchFamily="2"/>
-                <a:cs typeface="Lucida Sans" pitchFamily="2"/>
+                <a:latin typeface="Arial" panose="020B0604020202020204" pitchFamily="18"/>
+                <a:ea typeface="Microsoft YaHei" panose="020B0503020204020204" pitchFamily="2" charset="-122"/>
+                <a:cs typeface="Lucida Sans" panose="020B0602030504020204" pitchFamily="2"/>
               </a:rPr>
               <a:t>BACK</a:t>
             </a:r>
             <a:endParaRPr lang="en-US" sz="1600" dirty="0">
-              <a:latin typeface="Arial" pitchFamily="18"/>
-              <a:ea typeface="Microsoft YaHei" pitchFamily="2"/>
-              <a:cs typeface="Lucida Sans" pitchFamily="2"/>
+              <a:latin typeface="Arial" panose="020B0604020202020204" pitchFamily="18"/>
+              <a:ea typeface="Microsoft YaHei" panose="020B0503020204020204" pitchFamily="2" charset="-122"/>
+              <a:cs typeface="Lucida Sans" panose="020B0602030504020204" pitchFamily="2"/>
             </a:endParaRPr>
           </a:p>
         </p:txBody>
@@ -6375,16 +6430,16 @@
             </a:pPr>
             <a:r>
               <a:rPr lang="en-US" sz="1600" dirty="0" smtClean="0">
-                <a:latin typeface="Arial" pitchFamily="18"/>
-                <a:ea typeface="Microsoft YaHei" pitchFamily="2"/>
-                <a:cs typeface="Lucida Sans" pitchFamily="2"/>
+                <a:latin typeface="Arial" panose="020B0604020202020204" pitchFamily="18"/>
+                <a:ea typeface="Microsoft YaHei" panose="020B0503020204020204" pitchFamily="2" charset="-122"/>
+                <a:cs typeface="Lucida Sans" panose="020B0602030504020204" pitchFamily="2"/>
               </a:rPr>
               <a:t>HOME</a:t>
             </a:r>
             <a:endParaRPr lang="en-US" sz="1600" dirty="0">
-              <a:latin typeface="Arial" pitchFamily="18"/>
-              <a:ea typeface="Microsoft YaHei" pitchFamily="2"/>
-              <a:cs typeface="Lucida Sans" pitchFamily="2"/>
+              <a:latin typeface="Arial" panose="020B0604020202020204" pitchFamily="18"/>
+              <a:ea typeface="Microsoft YaHei" panose="020B0503020204020204" pitchFamily="2" charset="-122"/>
+              <a:cs typeface="Lucida Sans" panose="020B0602030504020204" pitchFamily="2"/>
             </a:endParaRPr>
           </a:p>
         </p:txBody>
@@ -6471,16 +6526,16 @@
             </a:pPr>
             <a:r>
               <a:rPr lang="en-US" sz="1600" dirty="0" smtClean="0">
-                <a:latin typeface="Arial" pitchFamily="18"/>
-                <a:ea typeface="Microsoft YaHei" pitchFamily="2"/>
-                <a:cs typeface="Lucida Sans" pitchFamily="2"/>
+                <a:latin typeface="Arial" panose="020B0604020202020204" pitchFamily="18"/>
+                <a:ea typeface="Microsoft YaHei" panose="020B0503020204020204" pitchFamily="2" charset="-122"/>
+                <a:cs typeface="Lucida Sans" panose="020B0602030504020204" pitchFamily="2"/>
               </a:rPr>
               <a:t>OK</a:t>
             </a:r>
             <a:endParaRPr lang="en-US" sz="1600" dirty="0">
-              <a:latin typeface="Arial" pitchFamily="18"/>
-              <a:ea typeface="Microsoft YaHei" pitchFamily="2"/>
-              <a:cs typeface="Lucida Sans" pitchFamily="2"/>
+              <a:latin typeface="Arial" panose="020B0604020202020204" pitchFamily="18"/>
+              <a:ea typeface="Microsoft YaHei" panose="020B0503020204020204" pitchFamily="2" charset="-122"/>
+              <a:cs typeface="Lucida Sans" panose="020B0602030504020204" pitchFamily="2"/>
             </a:endParaRPr>
           </a:p>
         </p:txBody>
@@ -6567,16 +6622,16 @@
             </a:pPr>
             <a:r>
               <a:rPr lang="en-US" sz="1600" dirty="0" smtClean="0">
-                <a:latin typeface="Arial" pitchFamily="18"/>
-                <a:ea typeface="Microsoft YaHei" pitchFamily="2"/>
-                <a:cs typeface="Lucida Sans" pitchFamily="2"/>
+                <a:latin typeface="Arial" panose="020B0604020202020204" pitchFamily="18"/>
+                <a:ea typeface="Microsoft YaHei" panose="020B0503020204020204" pitchFamily="2" charset="-122"/>
+                <a:cs typeface="Lucida Sans" panose="020B0602030504020204" pitchFamily="2"/>
               </a:rPr>
               <a:t>SWAP</a:t>
             </a:r>
             <a:endParaRPr lang="en-US" sz="1600" dirty="0">
-              <a:latin typeface="Arial" pitchFamily="18"/>
-              <a:ea typeface="Microsoft YaHei" pitchFamily="2"/>
-              <a:cs typeface="Lucida Sans" pitchFamily="2"/>
+              <a:latin typeface="Arial" panose="020B0604020202020204" pitchFamily="18"/>
+              <a:ea typeface="Microsoft YaHei" panose="020B0503020204020204" pitchFamily="2" charset="-122"/>
+              <a:cs typeface="Lucida Sans" panose="020B0602030504020204" pitchFamily="2"/>
             </a:endParaRPr>
           </a:p>
         </p:txBody>
@@ -6697,12 +6752,12 @@
               <a:gd name="f98" fmla="*/ f95 f29 1"/>
             </a:gdLst>
             <a:ahLst>
-              <a:ahXY gdRefX="f0" minX="f7" maxX="f10" gdRefY="" minY="0" maxY="0">
+              <a:ahXY gdRefX="f0" minX="f7" maxX="f10">
                 <a:pos x="f36" y="f37"/>
               </a:ahXY>
             </a:ahLst>
             <a:cxnLst>
-              <a:cxn ang="3cd4">
+              <a:cxn ang="3">
                 <a:pos x="hc" y="t"/>
               </a:cxn>
               <a:cxn ang="0">
@@ -6807,9 +6862,9 @@
               <a:buNone/>
             </a:pPr>
             <a:endParaRPr lang="en-US" sz="1600" dirty="0">
-              <a:latin typeface="Arial" pitchFamily="18"/>
-              <a:ea typeface="Microsoft YaHei" pitchFamily="2"/>
-              <a:cs typeface="Lucida Sans" pitchFamily="2"/>
+              <a:latin typeface="Arial" panose="020B0604020202020204" pitchFamily="18"/>
+              <a:ea typeface="Microsoft YaHei" panose="020B0503020204020204" pitchFamily="2" charset="-122"/>
+              <a:cs typeface="Lucida Sans" panose="020B0602030504020204" pitchFamily="2"/>
             </a:endParaRPr>
           </a:p>
         </p:txBody>
@@ -6930,12 +6985,12 @@
               <a:gd name="f98" fmla="*/ f95 f29 1"/>
             </a:gdLst>
             <a:ahLst>
-              <a:ahXY gdRefX="f0" minX="f7" maxX="f10" gdRefY="" minY="0" maxY="0">
+              <a:ahXY gdRefX="f0" minX="f7" maxX="f10">
                 <a:pos x="f36" y="f37"/>
               </a:ahXY>
             </a:ahLst>
             <a:cxnLst>
-              <a:cxn ang="3cd4">
+              <a:cxn ang="3">
                 <a:pos x="hc" y="t"/>
               </a:cxn>
               <a:cxn ang="0">
@@ -7040,9 +7095,9 @@
               <a:buNone/>
             </a:pPr>
             <a:endParaRPr lang="en-US" sz="1600" dirty="0">
-              <a:latin typeface="Arial" pitchFamily="18"/>
-              <a:ea typeface="Microsoft YaHei" pitchFamily="2"/>
-              <a:cs typeface="Lucida Sans" pitchFamily="2"/>
+              <a:latin typeface="Arial" panose="020B0604020202020204" pitchFamily="18"/>
+              <a:ea typeface="Microsoft YaHei" panose="020B0503020204020204" pitchFamily="2" charset="-122"/>
+              <a:cs typeface="Lucida Sans" panose="020B0602030504020204" pitchFamily="2"/>
             </a:endParaRPr>
           </a:p>
         </p:txBody>
@@ -7163,12 +7218,12 @@
               <a:gd name="f98" fmla="*/ f95 f29 1"/>
             </a:gdLst>
             <a:ahLst>
-              <a:ahXY gdRefX="f0" minX="f7" maxX="f10" gdRefY="" minY="0" maxY="0">
+              <a:ahXY gdRefX="f0" minX="f7" maxX="f10">
                 <a:pos x="f36" y="f37"/>
               </a:ahXY>
             </a:ahLst>
             <a:cxnLst>
-              <a:cxn ang="3cd4">
+              <a:cxn ang="3">
                 <a:pos x="hc" y="t"/>
               </a:cxn>
               <a:cxn ang="0">
@@ -7273,9 +7328,9 @@
               <a:buNone/>
             </a:pPr>
             <a:endParaRPr lang="en-US" sz="1600" dirty="0">
-              <a:latin typeface="Arial" pitchFamily="18"/>
-              <a:ea typeface="Microsoft YaHei" pitchFamily="2"/>
-              <a:cs typeface="Lucida Sans" pitchFamily="2"/>
+              <a:latin typeface="Arial" panose="020B0604020202020204" pitchFamily="18"/>
+              <a:ea typeface="Microsoft YaHei" panose="020B0503020204020204" pitchFamily="2" charset="-122"/>
+              <a:cs typeface="Lucida Sans" panose="020B0602030504020204" pitchFamily="2"/>
             </a:endParaRPr>
           </a:p>
         </p:txBody>
@@ -7396,12 +7451,12 @@
               <a:gd name="f98" fmla="*/ f95 f29 1"/>
             </a:gdLst>
             <a:ahLst>
-              <a:ahXY gdRefX="f0" minX="f7" maxX="f10" gdRefY="" minY="0" maxY="0">
+              <a:ahXY gdRefX="f0" minX="f7" maxX="f10">
                 <a:pos x="f36" y="f37"/>
               </a:ahXY>
             </a:ahLst>
             <a:cxnLst>
-              <a:cxn ang="3cd4">
+              <a:cxn ang="3">
                 <a:pos x="hc" y="t"/>
               </a:cxn>
               <a:cxn ang="0">
@@ -7506,9 +7561,9 @@
               <a:buNone/>
             </a:pPr>
             <a:endParaRPr lang="en-US" sz="1600" dirty="0">
-              <a:latin typeface="Arial" pitchFamily="18"/>
-              <a:ea typeface="Microsoft YaHei" pitchFamily="2"/>
-              <a:cs typeface="Lucida Sans" pitchFamily="2"/>
+              <a:latin typeface="Arial" panose="020B0604020202020204" pitchFamily="18"/>
+              <a:ea typeface="Microsoft YaHei" panose="020B0503020204020204" pitchFamily="2" charset="-122"/>
+              <a:cs typeface="Lucida Sans" panose="020B0602030504020204" pitchFamily="2"/>
             </a:endParaRPr>
           </a:p>
         </p:txBody>
@@ -7536,7 +7591,7 @@
           <a:lstStyle/>
           <a:p>
             <a:pPr>
-              <a:buFont typeface="Arial" pitchFamily="34" charset="0"/>
+              <a:buFont typeface="Arial" panose="020B0604020202020204" pitchFamily="34" charset="0"/>
               <a:buChar char="•"/>
             </a:pPr>
             <a:r>
@@ -7551,10 +7606,11 @@
               <a:rPr lang="en-US" sz="1300" dirty="0"/>
               <a:t>screen at power up</a:t>
             </a:r>
+            <a:endParaRPr lang="en-US" sz="1300" dirty="0"/>
           </a:p>
           <a:p>
             <a:pPr>
-              <a:buFont typeface="Arial" pitchFamily="34" charset="0"/>
+              <a:buFont typeface="Arial" panose="020B0604020202020204" pitchFamily="34" charset="0"/>
               <a:buChar char="•"/>
             </a:pPr>
             <a:r>
@@ -7593,7 +7649,7 @@
           </a:p>
           <a:p>
             <a:pPr>
-              <a:buFont typeface="Arial" pitchFamily="34" charset="0"/>
+              <a:buFont typeface="Arial" panose="020B0604020202020204" pitchFamily="34" charset="0"/>
               <a:buChar char="•"/>
             </a:pPr>
             <a:r>
@@ -7624,7 +7680,7 @@
           </a:p>
           <a:p>
             <a:pPr>
-              <a:buFont typeface="Arial" pitchFamily="34" charset="0"/>
+              <a:buFont typeface="Arial" panose="020B0604020202020204" pitchFamily="34" charset="0"/>
               <a:buChar char="•"/>
             </a:pPr>
             <a:endParaRPr lang="en-US" sz="1300" dirty="0"/>
@@ -7826,6 +7882,11 @@
               </a:rPr>
               <a:t>Soft Buttons </a:t>
             </a:r>
+            <a:endParaRPr lang="en-US" sz="1100" dirty="0">
+              <a:solidFill>
+                <a:schemeClr val="tx1"/>
+              </a:solidFill>
+            </a:endParaRPr>
           </a:p>
         </p:txBody>
       </p:sp>
@@ -7889,6 +7950,11 @@
               </a:rPr>
               <a:t>Function  Buttons </a:t>
             </a:r>
+            <a:endParaRPr lang="en-US" sz="1100" dirty="0">
+              <a:solidFill>
+                <a:schemeClr val="tx1"/>
+              </a:solidFill>
+            </a:endParaRPr>
           </a:p>
         </p:txBody>
       </p:sp>
@@ -7952,6 +8018,11 @@
               </a:rPr>
               <a:t>Soft Buttons </a:t>
             </a:r>
+            <a:endParaRPr lang="en-US" sz="1100" dirty="0">
+              <a:solidFill>
+                <a:schemeClr val="tx1"/>
+              </a:solidFill>
+            </a:endParaRPr>
           </a:p>
         </p:txBody>
       </p:sp>
@@ -8071,12 +8142,12 @@
               <a:gd name="f98" fmla="*/ f95 f29 1"/>
             </a:gdLst>
             <a:ahLst>
-              <a:ahXY gdRefX="f0" minX="f7" maxX="f10" gdRefY="" minY="0" maxY="0">
+              <a:ahXY gdRefX="f0" minX="f7" maxX="f10">
                 <a:pos x="f36" y="f37"/>
               </a:ahXY>
             </a:ahLst>
             <a:cxnLst>
-              <a:cxn ang="3cd4">
+              <a:cxn ang="3">
                 <a:pos x="hc" y="t"/>
               </a:cxn>
               <a:cxn ang="0">
@@ -8181,9 +8252,9 @@
               <a:buNone/>
             </a:pPr>
             <a:endParaRPr lang="en-US" sz="1600" dirty="0">
-              <a:latin typeface="Arial" pitchFamily="18"/>
-              <a:ea typeface="Microsoft YaHei" pitchFamily="2"/>
-              <a:cs typeface="Lucida Sans" pitchFamily="2"/>
+              <a:latin typeface="Arial" panose="020B0604020202020204" pitchFamily="18"/>
+              <a:ea typeface="Microsoft YaHei" panose="020B0503020204020204" pitchFamily="2" charset="-122"/>
+              <a:cs typeface="Lucida Sans" panose="020B0602030504020204" pitchFamily="2"/>
             </a:endParaRPr>
           </a:p>
         </p:txBody>
@@ -8304,12 +8375,12 @@
               <a:gd name="f98" fmla="*/ f95 f29 1"/>
             </a:gdLst>
             <a:ahLst>
-              <a:ahXY gdRefX="f0" minX="f7" maxX="f10" gdRefY="" minY="0" maxY="0">
+              <a:ahXY gdRefX="f0" minX="f7" maxX="f10">
                 <a:pos x="f36" y="f37"/>
               </a:ahXY>
             </a:ahLst>
             <a:cxnLst>
-              <a:cxn ang="3cd4">
+              <a:cxn ang="3">
                 <a:pos x="hc" y="t"/>
               </a:cxn>
               <a:cxn ang="0">
@@ -8414,9 +8485,9 @@
               <a:buNone/>
             </a:pPr>
             <a:endParaRPr lang="en-US" sz="1600" dirty="0">
-              <a:latin typeface="Arial" pitchFamily="18"/>
-              <a:ea typeface="Microsoft YaHei" pitchFamily="2"/>
-              <a:cs typeface="Lucida Sans" pitchFamily="2"/>
+              <a:latin typeface="Arial" panose="020B0604020202020204" pitchFamily="18"/>
+              <a:ea typeface="Microsoft YaHei" panose="020B0503020204020204" pitchFamily="2" charset="-122"/>
+              <a:cs typeface="Lucida Sans" panose="020B0602030504020204" pitchFamily="2"/>
             </a:endParaRPr>
           </a:p>
         </p:txBody>
@@ -8503,16 +8574,16 @@
             </a:pPr>
             <a:r>
               <a:rPr lang="en-US" sz="1600" dirty="0" smtClean="0">
-                <a:latin typeface="Arial" pitchFamily="18"/>
-                <a:ea typeface="Microsoft YaHei" pitchFamily="2"/>
-                <a:cs typeface="Lucida Sans" pitchFamily="2"/>
+                <a:latin typeface="Arial" panose="020B0604020202020204" pitchFamily="18"/>
+                <a:ea typeface="Microsoft YaHei" panose="020B0503020204020204" pitchFamily="2" charset="-122"/>
+                <a:cs typeface="Lucida Sans" panose="020B0602030504020204" pitchFamily="2"/>
               </a:rPr>
               <a:t>PREV</a:t>
             </a:r>
             <a:endParaRPr lang="en-US" sz="1600" dirty="0">
-              <a:latin typeface="Arial" pitchFamily="18"/>
-              <a:ea typeface="Microsoft YaHei" pitchFamily="2"/>
-              <a:cs typeface="Lucida Sans" pitchFamily="2"/>
+              <a:latin typeface="Arial" panose="020B0604020202020204" pitchFamily="18"/>
+              <a:ea typeface="Microsoft YaHei" panose="020B0503020204020204" pitchFamily="2" charset="-122"/>
+              <a:cs typeface="Lucida Sans" panose="020B0602030504020204" pitchFamily="2"/>
             </a:endParaRPr>
           </a:p>
         </p:txBody>
@@ -8599,16 +8670,16 @@
             </a:pPr>
             <a:r>
               <a:rPr lang="en-US" sz="1600" dirty="0" smtClean="0">
-                <a:latin typeface="Arial" pitchFamily="18"/>
-                <a:ea typeface="Microsoft YaHei" pitchFamily="2"/>
-                <a:cs typeface="Lucida Sans" pitchFamily="2"/>
+                <a:latin typeface="Arial" panose="020B0604020202020204" pitchFamily="18"/>
+                <a:ea typeface="Microsoft YaHei" panose="020B0503020204020204" pitchFamily="2" charset="-122"/>
+                <a:cs typeface="Lucida Sans" panose="020B0602030504020204" pitchFamily="2"/>
               </a:rPr>
               <a:t>NEXT</a:t>
             </a:r>
             <a:endParaRPr lang="en-US" sz="1600" dirty="0">
-              <a:latin typeface="Arial" pitchFamily="18"/>
-              <a:ea typeface="Microsoft YaHei" pitchFamily="2"/>
-              <a:cs typeface="Lucida Sans" pitchFamily="2"/>
+              <a:latin typeface="Arial" panose="020B0604020202020204" pitchFamily="18"/>
+              <a:ea typeface="Microsoft YaHei" panose="020B0503020204020204" pitchFamily="2" charset="-122"/>
+              <a:cs typeface="Lucida Sans" panose="020B0602030504020204" pitchFamily="2"/>
             </a:endParaRPr>
           </a:p>
         </p:txBody>
@@ -8698,9 +8769,9 @@
                 <a:solidFill>
                   <a:srgbClr val="FF0000"/>
                 </a:solidFill>
-                <a:latin typeface="Arial" pitchFamily="18"/>
-                <a:ea typeface="Microsoft YaHei" pitchFamily="2"/>
-                <a:cs typeface="Lucida Sans" pitchFamily="2"/>
+                <a:latin typeface="Arial" panose="020B0604020202020204" pitchFamily="18"/>
+                <a:ea typeface="Microsoft YaHei" panose="020B0503020204020204" pitchFamily="2" charset="-122"/>
+                <a:cs typeface="Lucida Sans" panose="020B0602030504020204" pitchFamily="2"/>
               </a:rPr>
               <a:t>HF </a:t>
             </a:r>
@@ -8708,9 +8779,9 @@
               <a:solidFill>
                 <a:srgbClr val="FF0000"/>
               </a:solidFill>
-              <a:latin typeface="Arial" pitchFamily="18"/>
-              <a:ea typeface="Microsoft YaHei" pitchFamily="2"/>
-              <a:cs typeface="Lucida Sans" pitchFamily="2"/>
+              <a:latin typeface="Arial" panose="020B0604020202020204" pitchFamily="18"/>
+              <a:ea typeface="Microsoft YaHei" panose="020B0503020204020204" pitchFamily="2" charset="-122"/>
+              <a:cs typeface="Lucida Sans" panose="020B0602030504020204" pitchFamily="2"/>
             </a:endParaRPr>
           </a:p>
         </p:txBody>
@@ -8800,9 +8871,9 @@
                 <a:solidFill>
                   <a:srgbClr val="FF0000"/>
                 </a:solidFill>
-                <a:latin typeface="Arial" pitchFamily="18"/>
-                <a:ea typeface="Microsoft YaHei" pitchFamily="2"/>
-                <a:cs typeface="Lucida Sans" pitchFamily="2"/>
+                <a:latin typeface="Arial" panose="020B0604020202020204" pitchFamily="18"/>
+                <a:ea typeface="Microsoft YaHei" panose="020B0503020204020204" pitchFamily="2" charset="-122"/>
+                <a:cs typeface="Lucida Sans" panose="020B0602030504020204" pitchFamily="2"/>
               </a:rPr>
               <a:t>VHF</a:t>
             </a:r>
@@ -8810,9 +8881,9 @@
               <a:solidFill>
                 <a:srgbClr val="FF0000"/>
               </a:solidFill>
-              <a:latin typeface="Arial" pitchFamily="18"/>
-              <a:ea typeface="Microsoft YaHei" pitchFamily="2"/>
-              <a:cs typeface="Lucida Sans" pitchFamily="2"/>
+              <a:latin typeface="Arial" panose="020B0604020202020204" pitchFamily="18"/>
+              <a:ea typeface="Microsoft YaHei" panose="020B0503020204020204" pitchFamily="2" charset="-122"/>
+              <a:cs typeface="Lucida Sans" panose="020B0602030504020204" pitchFamily="2"/>
             </a:endParaRPr>
           </a:p>
         </p:txBody>
@@ -8902,9 +8973,9 @@
                 <a:solidFill>
                   <a:srgbClr val="FF0000"/>
                 </a:solidFill>
-                <a:latin typeface="Arial" pitchFamily="18"/>
-                <a:ea typeface="Microsoft YaHei" pitchFamily="2"/>
-                <a:cs typeface="Lucida Sans" pitchFamily="2"/>
+                <a:latin typeface="Arial" panose="020B0604020202020204" pitchFamily="18"/>
+                <a:ea typeface="Microsoft YaHei" panose="020B0503020204020204" pitchFamily="2" charset="-122"/>
+                <a:cs typeface="Lucida Sans" panose="020B0602030504020204" pitchFamily="2"/>
               </a:rPr>
               <a:t>UHF</a:t>
             </a:r>
@@ -8912,9 +8983,9 @@
               <a:solidFill>
                 <a:srgbClr val="FF0000"/>
               </a:solidFill>
-              <a:latin typeface="Arial" pitchFamily="18"/>
-              <a:ea typeface="Microsoft YaHei" pitchFamily="2"/>
-              <a:cs typeface="Lucida Sans" pitchFamily="2"/>
+              <a:latin typeface="Arial" panose="020B0604020202020204" pitchFamily="18"/>
+              <a:ea typeface="Microsoft YaHei" panose="020B0503020204020204" pitchFamily="2" charset="-122"/>
+              <a:cs typeface="Lucida Sans" panose="020B0602030504020204" pitchFamily="2"/>
             </a:endParaRPr>
           </a:p>
         </p:txBody>
@@ -9366,10 +9437,6 @@
               </a:rPr>
               <a:t>Tacan Selected</a:t>
             </a:r>
-            <a:r>
-              <a:rPr lang="en-US" sz="2500" dirty="0"/>
-              <a:t/>
-            </a:r>
             <a:br>
               <a:rPr lang="en-US" sz="2500" dirty="0"/>
             </a:br>
@@ -9460,9 +9527,9 @@
               <a:buNone/>
             </a:pPr>
             <a:endParaRPr lang="en-US" sz="1600" dirty="0">
-              <a:latin typeface="Arial" pitchFamily="18"/>
-              <a:ea typeface="Microsoft YaHei" pitchFamily="2"/>
-              <a:cs typeface="Lucida Sans" pitchFamily="2"/>
+              <a:latin typeface="Arial" panose="020B0604020202020204" pitchFamily="18"/>
+              <a:ea typeface="Microsoft YaHei" panose="020B0503020204020204" pitchFamily="2" charset="-122"/>
+              <a:cs typeface="Lucida Sans" panose="020B0602030504020204" pitchFamily="2"/>
             </a:endParaRPr>
           </a:p>
         </p:txBody>
@@ -9583,12 +9650,12 @@
               <a:gd name="f98" fmla="*/ f95 f29 1"/>
             </a:gdLst>
             <a:ahLst>
-              <a:ahXY gdRefX="f0" minX="f7" maxX="f10" gdRefY="" minY="0" maxY="0">
+              <a:ahXY gdRefX="f0" minX="f7" maxX="f10">
                 <a:pos x="f36" y="f37"/>
               </a:ahXY>
             </a:ahLst>
             <a:cxnLst>
-              <a:cxn ang="3cd4">
+              <a:cxn ang="3">
                 <a:pos x="hc" y="t"/>
               </a:cxn>
               <a:cxn ang="0">
@@ -9693,9 +9760,9 @@
               <a:buNone/>
             </a:pPr>
             <a:endParaRPr lang="en-US" sz="1600" dirty="0">
-              <a:latin typeface="Arial" pitchFamily="18"/>
-              <a:ea typeface="Microsoft YaHei" pitchFamily="2"/>
-              <a:cs typeface="Lucida Sans" pitchFamily="2"/>
+              <a:latin typeface="Arial" panose="020B0604020202020204" pitchFamily="18"/>
+              <a:ea typeface="Microsoft YaHei" panose="020B0503020204020204" pitchFamily="2" charset="-122"/>
+              <a:cs typeface="Lucida Sans" panose="020B0602030504020204" pitchFamily="2"/>
             </a:endParaRPr>
           </a:p>
         </p:txBody>
@@ -9816,12 +9883,12 @@
               <a:gd name="f98" fmla="*/ f95 f29 1"/>
             </a:gdLst>
             <a:ahLst>
-              <a:ahXY gdRefX="f0" minX="f7" maxX="f10" gdRefY="" minY="0" maxY="0">
+              <a:ahXY gdRefX="f0" minX="f7" maxX="f10">
                 <a:pos x="f36" y="f37"/>
               </a:ahXY>
             </a:ahLst>
             <a:cxnLst>
-              <a:cxn ang="3cd4">
+              <a:cxn ang="3">
                 <a:pos x="hc" y="t"/>
               </a:cxn>
               <a:cxn ang="0">
@@ -9926,9 +9993,9 @@
               <a:buNone/>
             </a:pPr>
             <a:endParaRPr lang="en-US" sz="1600" dirty="0">
-              <a:latin typeface="Arial" pitchFamily="18"/>
-              <a:ea typeface="Microsoft YaHei" pitchFamily="2"/>
-              <a:cs typeface="Lucida Sans" pitchFamily="2"/>
+              <a:latin typeface="Arial" panose="020B0604020202020204" pitchFamily="18"/>
+              <a:ea typeface="Microsoft YaHei" panose="020B0503020204020204" pitchFamily="2" charset="-122"/>
+              <a:cs typeface="Lucida Sans" panose="020B0602030504020204" pitchFamily="2"/>
             </a:endParaRPr>
           </a:p>
         </p:txBody>
@@ -10049,12 +10116,12 @@
               <a:gd name="f98" fmla="*/ f95 f29 1"/>
             </a:gdLst>
             <a:ahLst>
-              <a:ahXY gdRefX="f0" minX="f7" maxX="f10" gdRefY="" minY="0" maxY="0">
+              <a:ahXY gdRefX="f0" minX="f7" maxX="f10">
                 <a:pos x="f36" y="f37"/>
               </a:ahXY>
             </a:ahLst>
             <a:cxnLst>
-              <a:cxn ang="3cd4">
+              <a:cxn ang="3">
                 <a:pos x="hc" y="t"/>
               </a:cxn>
               <a:cxn ang="0">
@@ -10159,9 +10226,9 @@
               <a:buNone/>
             </a:pPr>
             <a:endParaRPr lang="en-US" sz="1600" dirty="0">
-              <a:latin typeface="Arial" pitchFamily="18"/>
-              <a:ea typeface="Microsoft YaHei" pitchFamily="2"/>
-              <a:cs typeface="Lucida Sans" pitchFamily="2"/>
+              <a:latin typeface="Arial" panose="020B0604020202020204" pitchFamily="18"/>
+              <a:ea typeface="Microsoft YaHei" panose="020B0503020204020204" pitchFamily="2" charset="-122"/>
+              <a:cs typeface="Lucida Sans" panose="020B0602030504020204" pitchFamily="2"/>
             </a:endParaRPr>
           </a:p>
         </p:txBody>
@@ -10282,12 +10349,12 @@
               <a:gd name="f98" fmla="*/ f95 f29 1"/>
             </a:gdLst>
             <a:ahLst>
-              <a:ahXY gdRefX="f0" minX="f7" maxX="f10" gdRefY="" minY="0" maxY="0">
+              <a:ahXY gdRefX="f0" minX="f7" maxX="f10">
                 <a:pos x="f36" y="f37"/>
               </a:ahXY>
             </a:ahLst>
             <a:cxnLst>
-              <a:cxn ang="3cd4">
+              <a:cxn ang="3">
                 <a:pos x="hc" y="t"/>
               </a:cxn>
               <a:cxn ang="0">
@@ -10392,9 +10459,9 @@
               <a:buNone/>
             </a:pPr>
             <a:endParaRPr lang="en-US" sz="1600" dirty="0">
-              <a:latin typeface="Arial" pitchFamily="18"/>
-              <a:ea typeface="Microsoft YaHei" pitchFamily="2"/>
-              <a:cs typeface="Lucida Sans" pitchFamily="2"/>
+              <a:latin typeface="Arial" panose="020B0604020202020204" pitchFamily="18"/>
+              <a:ea typeface="Microsoft YaHei" panose="020B0503020204020204" pitchFamily="2" charset="-122"/>
+              <a:cs typeface="Lucida Sans" panose="020B0602030504020204" pitchFamily="2"/>
             </a:endParaRPr>
           </a:p>
         </p:txBody>
@@ -10481,16 +10548,16 @@
             </a:pPr>
             <a:r>
               <a:rPr lang="en-US" sz="1600" dirty="0" smtClean="0">
-                <a:latin typeface="Arial" pitchFamily="18"/>
-                <a:ea typeface="Microsoft YaHei" pitchFamily="2"/>
-                <a:cs typeface="Lucida Sans" pitchFamily="2"/>
+                <a:latin typeface="Arial" panose="020B0604020202020204" pitchFamily="18"/>
+                <a:ea typeface="Microsoft YaHei" panose="020B0503020204020204" pitchFamily="2" charset="-122"/>
+                <a:cs typeface="Lucida Sans" panose="020B0602030504020204" pitchFamily="2"/>
               </a:rPr>
               <a:t>TACAN</a:t>
             </a:r>
             <a:endParaRPr lang="en-US" sz="1600" dirty="0">
-              <a:latin typeface="Arial" pitchFamily="18"/>
-              <a:ea typeface="Microsoft YaHei" pitchFamily="2"/>
-              <a:cs typeface="Lucida Sans" pitchFamily="2"/>
+              <a:latin typeface="Arial" panose="020B0604020202020204" pitchFamily="18"/>
+              <a:ea typeface="Microsoft YaHei" panose="020B0503020204020204" pitchFamily="2" charset="-122"/>
+              <a:cs typeface="Lucida Sans" panose="020B0602030504020204" pitchFamily="2"/>
             </a:endParaRPr>
           </a:p>
         </p:txBody>
@@ -10611,12 +10678,12 @@
               <a:gd name="f98" fmla="*/ f95 f29 1"/>
             </a:gdLst>
             <a:ahLst>
-              <a:ahXY gdRefX="f0" minX="f7" maxX="f10" gdRefY="" minY="0" maxY="0">
+              <a:ahXY gdRefX="f0" minX="f7" maxX="f10">
                 <a:pos x="f36" y="f37"/>
               </a:ahXY>
             </a:ahLst>
             <a:cxnLst>
-              <a:cxn ang="3cd4">
+              <a:cxn ang="3">
                 <a:pos x="hc" y="t"/>
               </a:cxn>
               <a:cxn ang="0">
@@ -10721,9 +10788,9 @@
               <a:buNone/>
             </a:pPr>
             <a:endParaRPr lang="en-US" sz="1600" dirty="0">
-              <a:latin typeface="Arial" pitchFamily="18"/>
-              <a:ea typeface="Microsoft YaHei" pitchFamily="2"/>
-              <a:cs typeface="Lucida Sans" pitchFamily="2"/>
+              <a:latin typeface="Arial" panose="020B0604020202020204" pitchFamily="18"/>
+              <a:ea typeface="Microsoft YaHei" panose="020B0503020204020204" pitchFamily="2" charset="-122"/>
+              <a:cs typeface="Lucida Sans" panose="020B0602030504020204" pitchFamily="2"/>
             </a:endParaRPr>
           </a:p>
         </p:txBody>
@@ -10844,12 +10911,12 @@
               <a:gd name="f98" fmla="*/ f95 f29 1"/>
             </a:gdLst>
             <a:ahLst>
-              <a:ahXY gdRefX="f0" minX="f7" maxX="f10" gdRefY="" minY="0" maxY="0">
+              <a:ahXY gdRefX="f0" minX="f7" maxX="f10">
                 <a:pos x="f36" y="f37"/>
               </a:ahXY>
             </a:ahLst>
             <a:cxnLst>
-              <a:cxn ang="3cd4">
+              <a:cxn ang="3">
                 <a:pos x="hc" y="t"/>
               </a:cxn>
               <a:cxn ang="0">
@@ -10954,9 +11021,9 @@
               <a:buNone/>
             </a:pPr>
             <a:endParaRPr lang="en-US" sz="1600" dirty="0">
-              <a:latin typeface="Arial" pitchFamily="18"/>
-              <a:ea typeface="Microsoft YaHei" pitchFamily="2"/>
-              <a:cs typeface="Lucida Sans" pitchFamily="2"/>
+              <a:latin typeface="Arial" panose="020B0604020202020204" pitchFamily="18"/>
+              <a:ea typeface="Microsoft YaHei" panose="020B0503020204020204" pitchFamily="2" charset="-122"/>
+              <a:cs typeface="Lucida Sans" panose="020B0602030504020204" pitchFamily="2"/>
             </a:endParaRPr>
           </a:p>
         </p:txBody>
@@ -11077,12 +11144,12 @@
               <a:gd name="f98" fmla="*/ f95 f29 1"/>
             </a:gdLst>
             <a:ahLst>
-              <a:ahXY gdRefX="f0" minX="f7" maxX="f10" gdRefY="" minY="0" maxY="0">
+              <a:ahXY gdRefX="f0" minX="f7" maxX="f10">
                 <a:pos x="f36" y="f37"/>
               </a:ahXY>
             </a:ahLst>
             <a:cxnLst>
-              <a:cxn ang="3cd4">
+              <a:cxn ang="3">
                 <a:pos x="hc" y="t"/>
               </a:cxn>
               <a:cxn ang="0">
@@ -11187,9 +11254,9 @@
               <a:buNone/>
             </a:pPr>
             <a:endParaRPr lang="en-US" sz="1600" dirty="0">
-              <a:latin typeface="Arial" pitchFamily="18"/>
-              <a:ea typeface="Microsoft YaHei" pitchFamily="2"/>
-              <a:cs typeface="Lucida Sans" pitchFamily="2"/>
+              <a:latin typeface="Arial" panose="020B0604020202020204" pitchFamily="18"/>
+              <a:ea typeface="Microsoft YaHei" panose="020B0503020204020204" pitchFamily="2" charset="-122"/>
+              <a:cs typeface="Lucida Sans" panose="020B0602030504020204" pitchFamily="2"/>
             </a:endParaRPr>
           </a:p>
         </p:txBody>
@@ -11310,12 +11377,12 @@
               <a:gd name="f98" fmla="*/ f95 f29 1"/>
             </a:gdLst>
             <a:ahLst>
-              <a:ahXY gdRefX="f0" minX="f7" maxX="f10" gdRefY="" minY="0" maxY="0">
+              <a:ahXY gdRefX="f0" minX="f7" maxX="f10">
                 <a:pos x="f36" y="f37"/>
               </a:ahXY>
             </a:ahLst>
             <a:cxnLst>
-              <a:cxn ang="3cd4">
+              <a:cxn ang="3">
                 <a:pos x="hc" y="t"/>
               </a:cxn>
               <a:cxn ang="0">
@@ -11420,9 +11487,9 @@
               <a:buNone/>
             </a:pPr>
             <a:endParaRPr lang="en-US" sz="1600" dirty="0">
-              <a:latin typeface="Arial" pitchFamily="18"/>
-              <a:ea typeface="Microsoft YaHei" pitchFamily="2"/>
-              <a:cs typeface="Lucida Sans" pitchFamily="2"/>
+              <a:latin typeface="Arial" panose="020B0604020202020204" pitchFamily="18"/>
+              <a:ea typeface="Microsoft YaHei" panose="020B0503020204020204" pitchFamily="2" charset="-122"/>
+              <a:cs typeface="Lucida Sans" panose="020B0602030504020204" pitchFamily="2"/>
             </a:endParaRPr>
           </a:p>
         </p:txBody>
@@ -11509,16 +11576,16 @@
             </a:pPr>
             <a:r>
               <a:rPr lang="en-US" sz="1600" dirty="0" smtClean="0">
-                <a:latin typeface="Arial" pitchFamily="18"/>
-                <a:ea typeface="Microsoft YaHei" pitchFamily="2"/>
-                <a:cs typeface="Lucida Sans" pitchFamily="2"/>
+                <a:latin typeface="Arial" panose="020B0604020202020204" pitchFamily="18"/>
+                <a:ea typeface="Microsoft YaHei" panose="020B0503020204020204" pitchFamily="2" charset="-122"/>
+                <a:cs typeface="Lucida Sans" panose="020B0602030504020204" pitchFamily="2"/>
               </a:rPr>
               <a:t>BACK</a:t>
             </a:r>
             <a:endParaRPr lang="en-US" sz="1600" dirty="0">
-              <a:latin typeface="Arial" pitchFamily="18"/>
-              <a:ea typeface="Microsoft YaHei" pitchFamily="2"/>
-              <a:cs typeface="Lucida Sans" pitchFamily="2"/>
+              <a:latin typeface="Arial" panose="020B0604020202020204" pitchFamily="18"/>
+              <a:ea typeface="Microsoft YaHei" panose="020B0503020204020204" pitchFamily="2" charset="-122"/>
+              <a:cs typeface="Lucida Sans" panose="020B0602030504020204" pitchFamily="2"/>
             </a:endParaRPr>
           </a:p>
         </p:txBody>
@@ -11605,16 +11672,16 @@
             </a:pPr>
             <a:r>
               <a:rPr lang="en-US" sz="1600" dirty="0" smtClean="0">
-                <a:latin typeface="Arial" pitchFamily="18"/>
-                <a:ea typeface="Microsoft YaHei" pitchFamily="2"/>
-                <a:cs typeface="Lucida Sans" pitchFamily="2"/>
+                <a:latin typeface="Arial" panose="020B0604020202020204" pitchFamily="18"/>
+                <a:ea typeface="Microsoft YaHei" panose="020B0503020204020204" pitchFamily="2" charset="-122"/>
+                <a:cs typeface="Lucida Sans" panose="020B0602030504020204" pitchFamily="2"/>
               </a:rPr>
               <a:t>HOME</a:t>
             </a:r>
             <a:endParaRPr lang="en-US" sz="1600" dirty="0">
-              <a:latin typeface="Arial" pitchFamily="18"/>
-              <a:ea typeface="Microsoft YaHei" pitchFamily="2"/>
-              <a:cs typeface="Lucida Sans" pitchFamily="2"/>
+              <a:latin typeface="Arial" panose="020B0604020202020204" pitchFamily="18"/>
+              <a:ea typeface="Microsoft YaHei" panose="020B0503020204020204" pitchFamily="2" charset="-122"/>
+              <a:cs typeface="Lucida Sans" panose="020B0602030504020204" pitchFamily="2"/>
             </a:endParaRPr>
           </a:p>
         </p:txBody>
@@ -11701,16 +11768,16 @@
             </a:pPr>
             <a:r>
               <a:rPr lang="en-US" sz="1600" dirty="0" smtClean="0">
-                <a:latin typeface="Arial" pitchFamily="18"/>
-                <a:ea typeface="Microsoft YaHei" pitchFamily="2"/>
-                <a:cs typeface="Lucida Sans" pitchFamily="2"/>
+                <a:latin typeface="Arial" panose="020B0604020202020204" pitchFamily="18"/>
+                <a:ea typeface="Microsoft YaHei" panose="020B0503020204020204" pitchFamily="2" charset="-122"/>
+                <a:cs typeface="Lucida Sans" panose="020B0602030504020204" pitchFamily="2"/>
               </a:rPr>
               <a:t>OK</a:t>
             </a:r>
             <a:endParaRPr lang="en-US" sz="1600" dirty="0">
-              <a:latin typeface="Arial" pitchFamily="18"/>
-              <a:ea typeface="Microsoft YaHei" pitchFamily="2"/>
-              <a:cs typeface="Lucida Sans" pitchFamily="2"/>
+              <a:latin typeface="Arial" panose="020B0604020202020204" pitchFamily="18"/>
+              <a:ea typeface="Microsoft YaHei" panose="020B0503020204020204" pitchFamily="2" charset="-122"/>
+              <a:cs typeface="Lucida Sans" panose="020B0602030504020204" pitchFamily="2"/>
             </a:endParaRPr>
           </a:p>
         </p:txBody>
@@ -11797,16 +11864,16 @@
             </a:pPr>
             <a:r>
               <a:rPr lang="en-US" sz="1600" dirty="0" smtClean="0">
-                <a:latin typeface="Arial" pitchFamily="18"/>
-                <a:ea typeface="Microsoft YaHei" pitchFamily="2"/>
-                <a:cs typeface="Lucida Sans" pitchFamily="2"/>
+                <a:latin typeface="Arial" panose="020B0604020202020204" pitchFamily="18"/>
+                <a:ea typeface="Microsoft YaHei" panose="020B0503020204020204" pitchFamily="2" charset="-122"/>
+                <a:cs typeface="Lucida Sans" panose="020B0602030504020204" pitchFamily="2"/>
               </a:rPr>
               <a:t>SWAP</a:t>
             </a:r>
             <a:endParaRPr lang="en-US" sz="1600" dirty="0">
-              <a:latin typeface="Arial" pitchFamily="18"/>
-              <a:ea typeface="Microsoft YaHei" pitchFamily="2"/>
-              <a:cs typeface="Lucida Sans" pitchFamily="2"/>
+              <a:latin typeface="Arial" panose="020B0604020202020204" pitchFamily="18"/>
+              <a:ea typeface="Microsoft YaHei" panose="020B0503020204020204" pitchFamily="2" charset="-122"/>
+              <a:cs typeface="Lucida Sans" panose="020B0602030504020204" pitchFamily="2"/>
             </a:endParaRPr>
           </a:p>
         </p:txBody>
@@ -11927,12 +11994,12 @@
               <a:gd name="f98" fmla="*/ f95 f29 1"/>
             </a:gdLst>
             <a:ahLst>
-              <a:ahXY gdRefX="f0" minX="f7" maxX="f10" gdRefY="" minY="0" maxY="0">
+              <a:ahXY gdRefX="f0" minX="f7" maxX="f10">
                 <a:pos x="f36" y="f37"/>
               </a:ahXY>
             </a:ahLst>
             <a:cxnLst>
-              <a:cxn ang="3cd4">
+              <a:cxn ang="3">
                 <a:pos x="hc" y="t"/>
               </a:cxn>
               <a:cxn ang="0">
@@ -12037,9 +12104,9 @@
               <a:buNone/>
             </a:pPr>
             <a:endParaRPr lang="en-US" sz="1600" dirty="0">
-              <a:latin typeface="Arial" pitchFamily="18"/>
-              <a:ea typeface="Microsoft YaHei" pitchFamily="2"/>
-              <a:cs typeface="Lucida Sans" pitchFamily="2"/>
+              <a:latin typeface="Arial" panose="020B0604020202020204" pitchFamily="18"/>
+              <a:ea typeface="Microsoft YaHei" panose="020B0503020204020204" pitchFamily="2" charset="-122"/>
+              <a:cs typeface="Lucida Sans" panose="020B0602030504020204" pitchFamily="2"/>
             </a:endParaRPr>
           </a:p>
         </p:txBody>
@@ -12160,12 +12227,12 @@
               <a:gd name="f98" fmla="*/ f95 f29 1"/>
             </a:gdLst>
             <a:ahLst>
-              <a:ahXY gdRefX="f0" minX="f7" maxX="f10" gdRefY="" minY="0" maxY="0">
+              <a:ahXY gdRefX="f0" minX="f7" maxX="f10">
                 <a:pos x="f36" y="f37"/>
               </a:ahXY>
             </a:ahLst>
             <a:cxnLst>
-              <a:cxn ang="3cd4">
+              <a:cxn ang="3">
                 <a:pos x="hc" y="t"/>
               </a:cxn>
               <a:cxn ang="0">
@@ -12270,9 +12337,9 @@
               <a:buNone/>
             </a:pPr>
             <a:endParaRPr lang="en-US" sz="1600" dirty="0">
-              <a:latin typeface="Arial" pitchFamily="18"/>
-              <a:ea typeface="Microsoft YaHei" pitchFamily="2"/>
-              <a:cs typeface="Lucida Sans" pitchFamily="2"/>
+              <a:latin typeface="Arial" panose="020B0604020202020204" pitchFamily="18"/>
+              <a:ea typeface="Microsoft YaHei" panose="020B0503020204020204" pitchFamily="2" charset="-122"/>
+              <a:cs typeface="Lucida Sans" panose="020B0602030504020204" pitchFamily="2"/>
             </a:endParaRPr>
           </a:p>
         </p:txBody>
@@ -12393,12 +12460,12 @@
               <a:gd name="f98" fmla="*/ f95 f29 1"/>
             </a:gdLst>
             <a:ahLst>
-              <a:ahXY gdRefX="f0" minX="f7" maxX="f10" gdRefY="" minY="0" maxY="0">
+              <a:ahXY gdRefX="f0" minX="f7" maxX="f10">
                 <a:pos x="f36" y="f37"/>
               </a:ahXY>
             </a:ahLst>
             <a:cxnLst>
-              <a:cxn ang="3cd4">
+              <a:cxn ang="3">
                 <a:pos x="hc" y="t"/>
               </a:cxn>
               <a:cxn ang="0">
@@ -12503,9 +12570,9 @@
               <a:buNone/>
             </a:pPr>
             <a:endParaRPr lang="en-US" sz="1600" dirty="0">
-              <a:latin typeface="Arial" pitchFamily="18"/>
-              <a:ea typeface="Microsoft YaHei" pitchFamily="2"/>
-              <a:cs typeface="Lucida Sans" pitchFamily="2"/>
+              <a:latin typeface="Arial" panose="020B0604020202020204" pitchFamily="18"/>
+              <a:ea typeface="Microsoft YaHei" panose="020B0503020204020204" pitchFamily="2" charset="-122"/>
+              <a:cs typeface="Lucida Sans" panose="020B0602030504020204" pitchFamily="2"/>
             </a:endParaRPr>
           </a:p>
         </p:txBody>
@@ -12626,12 +12693,12 @@
               <a:gd name="f98" fmla="*/ f95 f29 1"/>
             </a:gdLst>
             <a:ahLst>
-              <a:ahXY gdRefX="f0" minX="f7" maxX="f10" gdRefY="" minY="0" maxY="0">
+              <a:ahXY gdRefX="f0" minX="f7" maxX="f10">
                 <a:pos x="f36" y="f37"/>
               </a:ahXY>
             </a:ahLst>
             <a:cxnLst>
-              <a:cxn ang="3cd4">
+              <a:cxn ang="3">
                 <a:pos x="hc" y="t"/>
               </a:cxn>
               <a:cxn ang="0">
@@ -12736,9 +12803,9 @@
               <a:buNone/>
             </a:pPr>
             <a:endParaRPr lang="en-US" sz="1600" dirty="0">
-              <a:latin typeface="Arial" pitchFamily="18"/>
-              <a:ea typeface="Microsoft YaHei" pitchFamily="2"/>
-              <a:cs typeface="Lucida Sans" pitchFamily="2"/>
+              <a:latin typeface="Arial" panose="020B0604020202020204" pitchFamily="18"/>
+              <a:ea typeface="Microsoft YaHei" panose="020B0503020204020204" pitchFamily="2" charset="-122"/>
+              <a:cs typeface="Lucida Sans" panose="020B0602030504020204" pitchFamily="2"/>
             </a:endParaRPr>
           </a:p>
         </p:txBody>
@@ -12766,17 +12833,18 @@
           <a:lstStyle/>
           <a:p>
             <a:pPr>
-              <a:buFont typeface="Arial" pitchFamily="34" charset="0"/>
+              <a:buFont typeface="Arial" panose="020B0604020202020204" pitchFamily="34" charset="0"/>
               <a:buChar char="•"/>
             </a:pPr>
             <a:r>
               <a:rPr lang="en-US" sz="1300" dirty="0" smtClean="0"/>
               <a:t>     Active channel is shown with prefix “A” and standby channel is shown with prefix “S”</a:t>
             </a:r>
+            <a:endParaRPr lang="en-US" sz="1300" dirty="0" smtClean="0"/>
           </a:p>
           <a:p>
             <a:pPr>
-              <a:buFont typeface="Arial" pitchFamily="34" charset="0"/>
+              <a:buFont typeface="Arial" panose="020B0604020202020204" pitchFamily="34" charset="0"/>
               <a:buChar char="•"/>
             </a:pPr>
             <a:r>
@@ -12803,10 +12871,11 @@
               <a:rPr lang="en-US" sz="1300" dirty="0" smtClean="0"/>
               <a:t>channel.</a:t>
             </a:r>
+            <a:endParaRPr lang="en-US" sz="1300" dirty="0" smtClean="0"/>
           </a:p>
           <a:p>
             <a:pPr>
-              <a:buFont typeface="Arial" pitchFamily="34" charset="0"/>
+              <a:buFont typeface="Arial" panose="020B0604020202020204" pitchFamily="34" charset="0"/>
               <a:buChar char="•"/>
             </a:pPr>
             <a:r>
@@ -12873,10 +12942,11 @@
               <a:rPr lang="en-US" sz="1300" dirty="0" smtClean="0"/>
               <a:t>and OK to confirm.</a:t>
             </a:r>
+            <a:endParaRPr lang="en-US" sz="1300" dirty="0" smtClean="0"/>
           </a:p>
           <a:p>
             <a:pPr marL="228600" indent="-228600">
-              <a:buFont typeface="Arial" pitchFamily="34" charset="0"/>
+              <a:buFont typeface="Arial" panose="020B0604020202020204" pitchFamily="34" charset="0"/>
               <a:buChar char="•"/>
             </a:pPr>
             <a:r>
@@ -12891,10 +12961,11 @@
               <a:rPr lang="en-US" sz="1300" dirty="0" smtClean="0"/>
               <a:t>8. P1…. P4 are shown on page 1. Press “Next” button to see page 2 with    P5….P8. Press “Back” to go back to page 1.</a:t>
             </a:r>
+            <a:endParaRPr lang="en-US" sz="1300" dirty="0" smtClean="0"/>
           </a:p>
           <a:p>
             <a:pPr marL="228600" indent="-228600">
-              <a:buFont typeface="Arial" pitchFamily="34" charset="0"/>
+              <a:buFont typeface="Arial" panose="020B0604020202020204" pitchFamily="34" charset="0"/>
               <a:buChar char="•"/>
             </a:pPr>
             <a:r>
@@ -12925,6 +12996,7 @@
               <a:rPr lang="en-US" sz="1300" dirty="0" smtClean="0"/>
               <a:t> channel as standby channel. </a:t>
             </a:r>
+            <a:endParaRPr lang="en-US" sz="1300" dirty="0" smtClean="0"/>
           </a:p>
         </p:txBody>
       </p:sp>
@@ -13176,12 +13248,12 @@
               <a:gd name="f98" fmla="*/ f95 f29 1"/>
             </a:gdLst>
             <a:ahLst>
-              <a:ahXY gdRefX="f0" minX="f7" maxX="f10" gdRefY="" minY="0" maxY="0">
+              <a:ahXY gdRefX="f0" minX="f7" maxX="f10">
                 <a:pos x="f36" y="f37"/>
               </a:ahXY>
             </a:ahLst>
             <a:cxnLst>
-              <a:cxn ang="3cd4">
+              <a:cxn ang="3">
                 <a:pos x="hc" y="t"/>
               </a:cxn>
               <a:cxn ang="0">
@@ -13286,9 +13358,9 @@
               <a:buNone/>
             </a:pPr>
             <a:endParaRPr lang="en-US" sz="1600" dirty="0">
-              <a:latin typeface="Arial" pitchFamily="18"/>
-              <a:ea typeface="Microsoft YaHei" pitchFamily="2"/>
-              <a:cs typeface="Lucida Sans" pitchFamily="2"/>
+              <a:latin typeface="Arial" panose="020B0604020202020204" pitchFamily="18"/>
+              <a:ea typeface="Microsoft YaHei" panose="020B0503020204020204" pitchFamily="2" charset="-122"/>
+              <a:cs typeface="Lucida Sans" panose="020B0602030504020204" pitchFamily="2"/>
             </a:endParaRPr>
           </a:p>
         </p:txBody>
@@ -13409,12 +13481,12 @@
               <a:gd name="f98" fmla="*/ f95 f29 1"/>
             </a:gdLst>
             <a:ahLst>
-              <a:ahXY gdRefX="f0" minX="f7" maxX="f10" gdRefY="" minY="0" maxY="0">
+              <a:ahXY gdRefX="f0" minX="f7" maxX="f10">
                 <a:pos x="f36" y="f37"/>
               </a:ahXY>
             </a:ahLst>
             <a:cxnLst>
-              <a:cxn ang="3cd4">
+              <a:cxn ang="3">
                 <a:pos x="hc" y="t"/>
               </a:cxn>
               <a:cxn ang="0">
@@ -13519,9 +13591,9 @@
               <a:buNone/>
             </a:pPr>
             <a:endParaRPr lang="en-US" sz="1600" dirty="0">
-              <a:latin typeface="Arial" pitchFamily="18"/>
-              <a:ea typeface="Microsoft YaHei" pitchFamily="2"/>
-              <a:cs typeface="Lucida Sans" pitchFamily="2"/>
+              <a:latin typeface="Arial" panose="020B0604020202020204" pitchFamily="18"/>
+              <a:ea typeface="Microsoft YaHei" panose="020B0503020204020204" pitchFamily="2" charset="-122"/>
+              <a:cs typeface="Lucida Sans" panose="020B0602030504020204" pitchFamily="2"/>
             </a:endParaRPr>
           </a:p>
         </p:txBody>
@@ -13608,16 +13680,16 @@
             </a:pPr>
             <a:r>
               <a:rPr lang="en-US" sz="1600" dirty="0" smtClean="0">
-                <a:latin typeface="Arial" pitchFamily="18"/>
-                <a:ea typeface="Microsoft YaHei" pitchFamily="2"/>
-                <a:cs typeface="Lucida Sans" pitchFamily="2"/>
+                <a:latin typeface="Arial" panose="020B0604020202020204" pitchFamily="18"/>
+                <a:ea typeface="Microsoft YaHei" panose="020B0503020204020204" pitchFamily="2" charset="-122"/>
+                <a:cs typeface="Lucida Sans" panose="020B0602030504020204" pitchFamily="2"/>
               </a:rPr>
               <a:t>PREV</a:t>
             </a:r>
             <a:endParaRPr lang="en-US" sz="1600" dirty="0">
-              <a:latin typeface="Arial" pitchFamily="18"/>
-              <a:ea typeface="Microsoft YaHei" pitchFamily="2"/>
-              <a:cs typeface="Lucida Sans" pitchFamily="2"/>
+              <a:latin typeface="Arial" panose="020B0604020202020204" pitchFamily="18"/>
+              <a:ea typeface="Microsoft YaHei" panose="020B0503020204020204" pitchFamily="2" charset="-122"/>
+              <a:cs typeface="Lucida Sans" panose="020B0602030504020204" pitchFamily="2"/>
             </a:endParaRPr>
           </a:p>
         </p:txBody>
@@ -13704,16 +13776,16 @@
             </a:pPr>
             <a:r>
               <a:rPr lang="en-US" sz="1600" dirty="0" smtClean="0">
-                <a:latin typeface="Arial" pitchFamily="18"/>
-                <a:ea typeface="Microsoft YaHei" pitchFamily="2"/>
-                <a:cs typeface="Lucida Sans" pitchFamily="2"/>
+                <a:latin typeface="Arial" panose="020B0604020202020204" pitchFamily="18"/>
+                <a:ea typeface="Microsoft YaHei" panose="020B0503020204020204" pitchFamily="2" charset="-122"/>
+                <a:cs typeface="Lucida Sans" panose="020B0602030504020204" pitchFamily="2"/>
               </a:rPr>
               <a:t>NEXT</a:t>
             </a:r>
             <a:endParaRPr lang="en-US" sz="1600" dirty="0">
-              <a:latin typeface="Arial" pitchFamily="18"/>
-              <a:ea typeface="Microsoft YaHei" pitchFamily="2"/>
-              <a:cs typeface="Lucida Sans" pitchFamily="2"/>
+              <a:latin typeface="Arial" panose="020B0604020202020204" pitchFamily="18"/>
+              <a:ea typeface="Microsoft YaHei" panose="020B0503020204020204" pitchFamily="2" charset="-122"/>
+              <a:cs typeface="Lucida Sans" panose="020B0602030504020204" pitchFamily="2"/>
             </a:endParaRPr>
           </a:p>
         </p:txBody>
@@ -14120,16 +14192,16 @@
             </a:pPr>
             <a:r>
               <a:rPr lang="en-US" sz="1300" dirty="0" smtClean="0">
-                <a:latin typeface="Arial" pitchFamily="18"/>
-                <a:ea typeface="Microsoft YaHei" pitchFamily="2"/>
-                <a:cs typeface="Lucida Sans" pitchFamily="2"/>
+                <a:latin typeface="Arial" panose="020B0604020202020204" pitchFamily="18"/>
+                <a:ea typeface="Microsoft YaHei" panose="020B0503020204020204" pitchFamily="2" charset="-122"/>
+                <a:cs typeface="Lucida Sans" panose="020B0602030504020204" pitchFamily="2"/>
               </a:rPr>
               <a:t>A  83Y</a:t>
             </a:r>
             <a:endParaRPr lang="en-US" sz="1300" dirty="0">
-              <a:latin typeface="Arial" pitchFamily="18"/>
-              <a:ea typeface="Microsoft YaHei" pitchFamily="2"/>
-              <a:cs typeface="Lucida Sans" pitchFamily="2"/>
+              <a:latin typeface="Arial" panose="020B0604020202020204" pitchFamily="18"/>
+              <a:ea typeface="Microsoft YaHei" panose="020B0503020204020204" pitchFamily="2" charset="-122"/>
+              <a:cs typeface="Lucida Sans" panose="020B0602030504020204" pitchFamily="2"/>
             </a:endParaRPr>
           </a:p>
         </p:txBody>
@@ -14216,16 +14288,16 @@
             </a:pPr>
             <a:r>
               <a:rPr lang="en-US" sz="1300" dirty="0" smtClean="0">
-                <a:latin typeface="Arial" pitchFamily="18"/>
-                <a:ea typeface="Microsoft YaHei" pitchFamily="2"/>
-                <a:cs typeface="Lucida Sans" pitchFamily="2"/>
+                <a:latin typeface="Arial" panose="020B0604020202020204" pitchFamily="18"/>
+                <a:ea typeface="Microsoft YaHei" panose="020B0503020204020204" pitchFamily="2" charset="-122"/>
+                <a:cs typeface="Lucida Sans" panose="020B0602030504020204" pitchFamily="2"/>
               </a:rPr>
               <a:t>S 22Y</a:t>
             </a:r>
             <a:endParaRPr lang="en-US" sz="1300" dirty="0">
-              <a:latin typeface="Arial" pitchFamily="18"/>
-              <a:ea typeface="Microsoft YaHei" pitchFamily="2"/>
-              <a:cs typeface="Lucida Sans" pitchFamily="2"/>
+              <a:latin typeface="Arial" panose="020B0604020202020204" pitchFamily="18"/>
+              <a:ea typeface="Microsoft YaHei" panose="020B0503020204020204" pitchFamily="2" charset="-122"/>
+              <a:cs typeface="Lucida Sans" panose="020B0602030504020204" pitchFamily="2"/>
             </a:endParaRPr>
           </a:p>
         </p:txBody>
@@ -14312,16 +14384,16 @@
             </a:pPr>
             <a:r>
               <a:rPr lang="en-US" sz="1300" dirty="0" smtClean="0">
-                <a:latin typeface="Arial" pitchFamily="18"/>
-                <a:ea typeface="Microsoft YaHei" pitchFamily="2"/>
-                <a:cs typeface="Lucida Sans" pitchFamily="2"/>
+                <a:latin typeface="Arial" panose="020B0604020202020204" pitchFamily="18"/>
+                <a:ea typeface="Microsoft YaHei" panose="020B0503020204020204" pitchFamily="2" charset="-122"/>
+                <a:cs typeface="Lucida Sans" panose="020B0602030504020204" pitchFamily="2"/>
               </a:rPr>
               <a:t>PROG</a:t>
             </a:r>
             <a:endParaRPr lang="en-US" sz="1300" dirty="0">
-              <a:latin typeface="Arial" pitchFamily="18"/>
-              <a:ea typeface="Microsoft YaHei" pitchFamily="2"/>
-              <a:cs typeface="Lucida Sans" pitchFamily="2"/>
+              <a:latin typeface="Arial" panose="020B0604020202020204" pitchFamily="18"/>
+              <a:ea typeface="Microsoft YaHei" panose="020B0503020204020204" pitchFamily="2" charset="-122"/>
+              <a:cs typeface="Lucida Sans" panose="020B0602030504020204" pitchFamily="2"/>
             </a:endParaRPr>
           </a:p>
         </p:txBody>
@@ -14408,12 +14480,17 @@
             </a:pPr>
             <a:r>
               <a:rPr lang="en-US" sz="1300" dirty="0">
-                <a:latin typeface="Arial" pitchFamily="18"/>
-                <a:ea typeface="Microsoft YaHei" pitchFamily="2"/>
-                <a:cs typeface="Lucida Sans" pitchFamily="2"/>
+                <a:latin typeface="Arial" panose="020B0604020202020204" pitchFamily="18"/>
+                <a:ea typeface="Microsoft YaHei" panose="020B0503020204020204" pitchFamily="2" charset="-122"/>
+                <a:cs typeface="Lucida Sans" panose="020B0602030504020204" pitchFamily="2"/>
               </a:rPr>
               <a:t>P 1</a:t>
             </a:r>
+            <a:endParaRPr lang="en-US" sz="1300" dirty="0">
+              <a:latin typeface="Arial" panose="020B0604020202020204" pitchFamily="18"/>
+              <a:ea typeface="Microsoft YaHei" panose="020B0503020204020204" pitchFamily="2" charset="-122"/>
+              <a:cs typeface="Lucida Sans" panose="020B0602030504020204" pitchFamily="2"/>
+            </a:endParaRPr>
           </a:p>
         </p:txBody>
       </p:sp>
@@ -14499,12 +14576,17 @@
             </a:pPr>
             <a:r>
               <a:rPr lang="en-US" sz="1300" dirty="0">
-                <a:latin typeface="Arial" pitchFamily="18"/>
-                <a:ea typeface="Microsoft YaHei" pitchFamily="2"/>
-                <a:cs typeface="Lucida Sans" pitchFamily="2"/>
+                <a:latin typeface="Arial" panose="020B0604020202020204" pitchFamily="18"/>
+                <a:ea typeface="Microsoft YaHei" panose="020B0503020204020204" pitchFamily="2" charset="-122"/>
+                <a:cs typeface="Lucida Sans" panose="020B0602030504020204" pitchFamily="2"/>
               </a:rPr>
               <a:t>P 2</a:t>
             </a:r>
+            <a:endParaRPr lang="en-US" sz="1300" dirty="0">
+              <a:latin typeface="Arial" panose="020B0604020202020204" pitchFamily="18"/>
+              <a:ea typeface="Microsoft YaHei" panose="020B0503020204020204" pitchFamily="2" charset="-122"/>
+              <a:cs typeface="Lucida Sans" panose="020B0602030504020204" pitchFamily="2"/>
+            </a:endParaRPr>
           </a:p>
         </p:txBody>
       </p:sp>
@@ -14590,12 +14672,17 @@
             </a:pPr>
             <a:r>
               <a:rPr lang="en-US" sz="1300" dirty="0">
-                <a:latin typeface="Arial" pitchFamily="18"/>
-                <a:ea typeface="Microsoft YaHei" pitchFamily="2"/>
-                <a:cs typeface="Lucida Sans" pitchFamily="2"/>
+                <a:latin typeface="Arial" panose="020B0604020202020204" pitchFamily="18"/>
+                <a:ea typeface="Microsoft YaHei" panose="020B0503020204020204" pitchFamily="2" charset="-122"/>
+                <a:cs typeface="Lucida Sans" panose="020B0602030504020204" pitchFamily="2"/>
               </a:rPr>
               <a:t>P 3</a:t>
             </a:r>
+            <a:endParaRPr lang="en-US" sz="1300" dirty="0">
+              <a:latin typeface="Arial" panose="020B0604020202020204" pitchFamily="18"/>
+              <a:ea typeface="Microsoft YaHei" panose="020B0503020204020204" pitchFamily="2" charset="-122"/>
+              <a:cs typeface="Lucida Sans" panose="020B0602030504020204" pitchFamily="2"/>
+            </a:endParaRPr>
           </a:p>
         </p:txBody>
       </p:sp>
@@ -14681,12 +14768,17 @@
             </a:pPr>
             <a:r>
               <a:rPr lang="en-US" sz="1300" dirty="0">
-                <a:latin typeface="Arial" pitchFamily="18"/>
-                <a:ea typeface="Microsoft YaHei" pitchFamily="2"/>
-                <a:cs typeface="Lucida Sans" pitchFamily="2"/>
+                <a:latin typeface="Arial" panose="020B0604020202020204" pitchFamily="18"/>
+                <a:ea typeface="Microsoft YaHei" panose="020B0503020204020204" pitchFamily="2" charset="-122"/>
+                <a:cs typeface="Lucida Sans" panose="020B0602030504020204" pitchFamily="2"/>
               </a:rPr>
               <a:t>P 4</a:t>
             </a:r>
+            <a:endParaRPr lang="en-US" sz="1300" dirty="0">
+              <a:latin typeface="Arial" panose="020B0604020202020204" pitchFamily="18"/>
+              <a:ea typeface="Microsoft YaHei" panose="020B0503020204020204" pitchFamily="2" charset="-122"/>
+              <a:cs typeface="Lucida Sans" panose="020B0602030504020204" pitchFamily="2"/>
+            </a:endParaRPr>
           </a:p>
         </p:txBody>
       </p:sp>
@@ -14839,16 +14931,16 @@
             </a:pPr>
             <a:r>
               <a:rPr lang="en-US" sz="1300" dirty="0" smtClean="0">
-                <a:latin typeface="Arial" pitchFamily="18"/>
-                <a:ea typeface="Microsoft YaHei" pitchFamily="2"/>
-                <a:cs typeface="Lucida Sans" pitchFamily="2"/>
+                <a:latin typeface="Arial" panose="020B0604020202020204" pitchFamily="18"/>
+                <a:ea typeface="Microsoft YaHei" panose="020B0503020204020204" pitchFamily="2" charset="-122"/>
+                <a:cs typeface="Lucida Sans" panose="020B0602030504020204" pitchFamily="2"/>
               </a:rPr>
               <a:t>MODE</a:t>
             </a:r>
             <a:endParaRPr lang="en-US" sz="1300" dirty="0">
-              <a:latin typeface="Arial" pitchFamily="18"/>
-              <a:ea typeface="Microsoft YaHei" pitchFamily="2"/>
-              <a:cs typeface="Lucida Sans" pitchFamily="2"/>
+              <a:latin typeface="Arial" panose="020B0604020202020204" pitchFamily="18"/>
+              <a:ea typeface="Microsoft YaHei" panose="020B0503020204020204" pitchFamily="2" charset="-122"/>
+              <a:cs typeface="Lucida Sans" panose="020B0602030504020204" pitchFamily="2"/>
             </a:endParaRPr>
           </a:p>
         </p:txBody>
@@ -14980,10 +15072,6 @@
               </a:rPr>
               <a:t>Tacan Selected</a:t>
             </a:r>
-            <a:r>
-              <a:rPr lang="en-US" sz="2500" dirty="0"/>
-              <a:t/>
-            </a:r>
             <a:br>
               <a:rPr lang="en-US" sz="2500" dirty="0"/>
             </a:br>
@@ -15074,9 +15162,9 @@
               <a:buNone/>
             </a:pPr>
             <a:endParaRPr lang="en-US" sz="1600" dirty="0">
-              <a:latin typeface="Arial" pitchFamily="18"/>
-              <a:ea typeface="Microsoft YaHei" pitchFamily="2"/>
-              <a:cs typeface="Lucida Sans" pitchFamily="2"/>
+              <a:latin typeface="Arial" panose="020B0604020202020204" pitchFamily="18"/>
+              <a:ea typeface="Microsoft YaHei" panose="020B0503020204020204" pitchFamily="2" charset="-122"/>
+              <a:cs typeface="Lucida Sans" panose="020B0602030504020204" pitchFamily="2"/>
             </a:endParaRPr>
           </a:p>
         </p:txBody>
@@ -15197,12 +15285,12 @@
               <a:gd name="f98" fmla="*/ f95 f29 1"/>
             </a:gdLst>
             <a:ahLst>
-              <a:ahXY gdRefX="f0" minX="f7" maxX="f10" gdRefY="" minY="0" maxY="0">
+              <a:ahXY gdRefX="f0" minX="f7" maxX="f10">
                 <a:pos x="f36" y="f37"/>
               </a:ahXY>
             </a:ahLst>
             <a:cxnLst>
-              <a:cxn ang="3cd4">
+              <a:cxn ang="3">
                 <a:pos x="hc" y="t"/>
               </a:cxn>
               <a:cxn ang="0">
@@ -15307,9 +15395,9 @@
               <a:buNone/>
             </a:pPr>
             <a:endParaRPr lang="en-US" sz="1600" dirty="0">
-              <a:latin typeface="Arial" pitchFamily="18"/>
-              <a:ea typeface="Microsoft YaHei" pitchFamily="2"/>
-              <a:cs typeface="Lucida Sans" pitchFamily="2"/>
+              <a:latin typeface="Arial" panose="020B0604020202020204" pitchFamily="18"/>
+              <a:ea typeface="Microsoft YaHei" panose="020B0503020204020204" pitchFamily="2" charset="-122"/>
+              <a:cs typeface="Lucida Sans" panose="020B0602030504020204" pitchFamily="2"/>
             </a:endParaRPr>
           </a:p>
         </p:txBody>
@@ -15430,12 +15518,12 @@
               <a:gd name="f98" fmla="*/ f95 f29 1"/>
             </a:gdLst>
             <a:ahLst>
-              <a:ahXY gdRefX="f0" minX="f7" maxX="f10" gdRefY="" minY="0" maxY="0">
+              <a:ahXY gdRefX="f0" minX="f7" maxX="f10">
                 <a:pos x="f36" y="f37"/>
               </a:ahXY>
             </a:ahLst>
             <a:cxnLst>
-              <a:cxn ang="3cd4">
+              <a:cxn ang="3">
                 <a:pos x="hc" y="t"/>
               </a:cxn>
               <a:cxn ang="0">
@@ -15540,9 +15628,9 @@
               <a:buNone/>
             </a:pPr>
             <a:endParaRPr lang="en-US" sz="1600" dirty="0">
-              <a:latin typeface="Arial" pitchFamily="18"/>
-              <a:ea typeface="Microsoft YaHei" pitchFamily="2"/>
-              <a:cs typeface="Lucida Sans" pitchFamily="2"/>
+              <a:latin typeface="Arial" panose="020B0604020202020204" pitchFamily="18"/>
+              <a:ea typeface="Microsoft YaHei" panose="020B0503020204020204" pitchFamily="2" charset="-122"/>
+              <a:cs typeface="Lucida Sans" panose="020B0602030504020204" pitchFamily="2"/>
             </a:endParaRPr>
           </a:p>
         </p:txBody>
@@ -15663,12 +15751,12 @@
               <a:gd name="f98" fmla="*/ f95 f29 1"/>
             </a:gdLst>
             <a:ahLst>
-              <a:ahXY gdRefX="f0" minX="f7" maxX="f10" gdRefY="" minY="0" maxY="0">
+              <a:ahXY gdRefX="f0" minX="f7" maxX="f10">
                 <a:pos x="f36" y="f37"/>
               </a:ahXY>
             </a:ahLst>
             <a:cxnLst>
-              <a:cxn ang="3cd4">
+              <a:cxn ang="3">
                 <a:pos x="hc" y="t"/>
               </a:cxn>
               <a:cxn ang="0">
@@ -15773,9 +15861,9 @@
               <a:buNone/>
             </a:pPr>
             <a:endParaRPr lang="en-US" sz="1600" dirty="0">
-              <a:latin typeface="Arial" pitchFamily="18"/>
-              <a:ea typeface="Microsoft YaHei" pitchFamily="2"/>
-              <a:cs typeface="Lucida Sans" pitchFamily="2"/>
+              <a:latin typeface="Arial" panose="020B0604020202020204" pitchFamily="18"/>
+              <a:ea typeface="Microsoft YaHei" panose="020B0503020204020204" pitchFamily="2" charset="-122"/>
+              <a:cs typeface="Lucida Sans" panose="020B0602030504020204" pitchFamily="2"/>
             </a:endParaRPr>
           </a:p>
         </p:txBody>
@@ -15896,12 +15984,12 @@
               <a:gd name="f98" fmla="*/ f95 f29 1"/>
             </a:gdLst>
             <a:ahLst>
-              <a:ahXY gdRefX="f0" minX="f7" maxX="f10" gdRefY="" minY="0" maxY="0">
+              <a:ahXY gdRefX="f0" minX="f7" maxX="f10">
                 <a:pos x="f36" y="f37"/>
               </a:ahXY>
             </a:ahLst>
             <a:cxnLst>
-              <a:cxn ang="3cd4">
+              <a:cxn ang="3">
                 <a:pos x="hc" y="t"/>
               </a:cxn>
               <a:cxn ang="0">
@@ -16006,9 +16094,9 @@
               <a:buNone/>
             </a:pPr>
             <a:endParaRPr lang="en-US" sz="1600" dirty="0">
-              <a:latin typeface="Arial" pitchFamily="18"/>
-              <a:ea typeface="Microsoft YaHei" pitchFamily="2"/>
-              <a:cs typeface="Lucida Sans" pitchFamily="2"/>
+              <a:latin typeface="Arial" panose="020B0604020202020204" pitchFamily="18"/>
+              <a:ea typeface="Microsoft YaHei" panose="020B0503020204020204" pitchFamily="2" charset="-122"/>
+              <a:cs typeface="Lucida Sans" panose="020B0602030504020204" pitchFamily="2"/>
             </a:endParaRPr>
           </a:p>
         </p:txBody>
@@ -16095,16 +16183,16 @@
             </a:pPr>
             <a:r>
               <a:rPr lang="en-US" sz="1600" dirty="0" smtClean="0">
-                <a:latin typeface="Arial" pitchFamily="18"/>
-                <a:ea typeface="Microsoft YaHei" pitchFamily="2"/>
-                <a:cs typeface="Lucida Sans" pitchFamily="2"/>
+                <a:latin typeface="Arial" panose="020B0604020202020204" pitchFamily="18"/>
+                <a:ea typeface="Microsoft YaHei" panose="020B0503020204020204" pitchFamily="2" charset="-122"/>
+                <a:cs typeface="Lucida Sans" panose="020B0602030504020204" pitchFamily="2"/>
               </a:rPr>
               <a:t>NAV</a:t>
             </a:r>
             <a:endParaRPr lang="en-US" sz="1600" dirty="0">
-              <a:latin typeface="Arial" pitchFamily="18"/>
-              <a:ea typeface="Microsoft YaHei" pitchFamily="2"/>
-              <a:cs typeface="Lucida Sans" pitchFamily="2"/>
+              <a:latin typeface="Arial" panose="020B0604020202020204" pitchFamily="18"/>
+              <a:ea typeface="Microsoft YaHei" panose="020B0503020204020204" pitchFamily="2" charset="-122"/>
+              <a:cs typeface="Lucida Sans" panose="020B0602030504020204" pitchFamily="2"/>
             </a:endParaRPr>
           </a:p>
         </p:txBody>
@@ -16225,12 +16313,12 @@
               <a:gd name="f98" fmla="*/ f95 f29 1"/>
             </a:gdLst>
             <a:ahLst>
-              <a:ahXY gdRefX="f0" minX="f7" maxX="f10" gdRefY="" minY="0" maxY="0">
+              <a:ahXY gdRefX="f0" minX="f7" maxX="f10">
                 <a:pos x="f36" y="f37"/>
               </a:ahXY>
             </a:ahLst>
             <a:cxnLst>
-              <a:cxn ang="3cd4">
+              <a:cxn ang="3">
                 <a:pos x="hc" y="t"/>
               </a:cxn>
               <a:cxn ang="0">
@@ -16335,9 +16423,9 @@
               <a:buNone/>
             </a:pPr>
             <a:endParaRPr lang="en-US" sz="1600" dirty="0">
-              <a:latin typeface="Arial" pitchFamily="18"/>
-              <a:ea typeface="Microsoft YaHei" pitchFamily="2"/>
-              <a:cs typeface="Lucida Sans" pitchFamily="2"/>
+              <a:latin typeface="Arial" panose="020B0604020202020204" pitchFamily="18"/>
+              <a:ea typeface="Microsoft YaHei" panose="020B0503020204020204" pitchFamily="2" charset="-122"/>
+              <a:cs typeface="Lucida Sans" panose="020B0602030504020204" pitchFamily="2"/>
             </a:endParaRPr>
           </a:p>
         </p:txBody>
@@ -16458,12 +16546,12 @@
               <a:gd name="f98" fmla="*/ f95 f29 1"/>
             </a:gdLst>
             <a:ahLst>
-              <a:ahXY gdRefX="f0" minX="f7" maxX="f10" gdRefY="" minY="0" maxY="0">
+              <a:ahXY gdRefX="f0" minX="f7" maxX="f10">
                 <a:pos x="f36" y="f37"/>
               </a:ahXY>
             </a:ahLst>
             <a:cxnLst>
-              <a:cxn ang="3cd4">
+              <a:cxn ang="3">
                 <a:pos x="hc" y="t"/>
               </a:cxn>
               <a:cxn ang="0">
@@ -16568,9 +16656,9 @@
               <a:buNone/>
             </a:pPr>
             <a:endParaRPr lang="en-US" sz="1600" dirty="0">
-              <a:latin typeface="Arial" pitchFamily="18"/>
-              <a:ea typeface="Microsoft YaHei" pitchFamily="2"/>
-              <a:cs typeface="Lucida Sans" pitchFamily="2"/>
+              <a:latin typeface="Arial" panose="020B0604020202020204" pitchFamily="18"/>
+              <a:ea typeface="Microsoft YaHei" panose="020B0503020204020204" pitchFamily="2" charset="-122"/>
+              <a:cs typeface="Lucida Sans" panose="020B0602030504020204" pitchFamily="2"/>
             </a:endParaRPr>
           </a:p>
         </p:txBody>
@@ -16691,12 +16779,12 @@
               <a:gd name="f98" fmla="*/ f95 f29 1"/>
             </a:gdLst>
             <a:ahLst>
-              <a:ahXY gdRefX="f0" minX="f7" maxX="f10" gdRefY="" minY="0" maxY="0">
+              <a:ahXY gdRefX="f0" minX="f7" maxX="f10">
                 <a:pos x="f36" y="f37"/>
               </a:ahXY>
             </a:ahLst>
             <a:cxnLst>
-              <a:cxn ang="3cd4">
+              <a:cxn ang="3">
                 <a:pos x="hc" y="t"/>
               </a:cxn>
               <a:cxn ang="0">
@@ -16801,9 +16889,9 @@
               <a:buNone/>
             </a:pPr>
             <a:endParaRPr lang="en-US" sz="1600" dirty="0">
-              <a:latin typeface="Arial" pitchFamily="18"/>
-              <a:ea typeface="Microsoft YaHei" pitchFamily="2"/>
-              <a:cs typeface="Lucida Sans" pitchFamily="2"/>
+              <a:latin typeface="Arial" panose="020B0604020202020204" pitchFamily="18"/>
+              <a:ea typeface="Microsoft YaHei" panose="020B0503020204020204" pitchFamily="2" charset="-122"/>
+              <a:cs typeface="Lucida Sans" panose="020B0602030504020204" pitchFamily="2"/>
             </a:endParaRPr>
           </a:p>
         </p:txBody>
@@ -16924,12 +17012,12 @@
               <a:gd name="f98" fmla="*/ f95 f29 1"/>
             </a:gdLst>
             <a:ahLst>
-              <a:ahXY gdRefX="f0" minX="f7" maxX="f10" gdRefY="" minY="0" maxY="0">
+              <a:ahXY gdRefX="f0" minX="f7" maxX="f10">
                 <a:pos x="f36" y="f37"/>
               </a:ahXY>
             </a:ahLst>
             <a:cxnLst>
-              <a:cxn ang="3cd4">
+              <a:cxn ang="3">
                 <a:pos x="hc" y="t"/>
               </a:cxn>
               <a:cxn ang="0">
@@ -17034,9 +17122,9 @@
               <a:buNone/>
             </a:pPr>
             <a:endParaRPr lang="en-US" sz="1600" dirty="0">
-              <a:latin typeface="Arial" pitchFamily="18"/>
-              <a:ea typeface="Microsoft YaHei" pitchFamily="2"/>
-              <a:cs typeface="Lucida Sans" pitchFamily="2"/>
+              <a:latin typeface="Arial" panose="020B0604020202020204" pitchFamily="18"/>
+              <a:ea typeface="Microsoft YaHei" panose="020B0503020204020204" pitchFamily="2" charset="-122"/>
+              <a:cs typeface="Lucida Sans" panose="020B0602030504020204" pitchFamily="2"/>
             </a:endParaRPr>
           </a:p>
         </p:txBody>
@@ -17123,16 +17211,16 @@
             </a:pPr>
             <a:r>
               <a:rPr lang="en-US" sz="1600" dirty="0" smtClean="0">
-                <a:latin typeface="Arial" pitchFamily="18"/>
-                <a:ea typeface="Microsoft YaHei" pitchFamily="2"/>
-                <a:cs typeface="Lucida Sans" pitchFamily="2"/>
+                <a:latin typeface="Arial" panose="020B0604020202020204" pitchFamily="18"/>
+                <a:ea typeface="Microsoft YaHei" panose="020B0503020204020204" pitchFamily="2" charset="-122"/>
+                <a:cs typeface="Lucida Sans" panose="020B0602030504020204" pitchFamily="2"/>
               </a:rPr>
               <a:t>BACK</a:t>
             </a:r>
             <a:endParaRPr lang="en-US" sz="1600" dirty="0">
-              <a:latin typeface="Arial" pitchFamily="18"/>
-              <a:ea typeface="Microsoft YaHei" pitchFamily="2"/>
-              <a:cs typeface="Lucida Sans" pitchFamily="2"/>
+              <a:latin typeface="Arial" panose="020B0604020202020204" pitchFamily="18"/>
+              <a:ea typeface="Microsoft YaHei" panose="020B0503020204020204" pitchFamily="2" charset="-122"/>
+              <a:cs typeface="Lucida Sans" panose="020B0602030504020204" pitchFamily="2"/>
             </a:endParaRPr>
           </a:p>
         </p:txBody>
@@ -17219,16 +17307,16 @@
             </a:pPr>
             <a:r>
               <a:rPr lang="en-US" sz="1600" dirty="0" smtClean="0">
-                <a:latin typeface="Arial" pitchFamily="18"/>
-                <a:ea typeface="Microsoft YaHei" pitchFamily="2"/>
-                <a:cs typeface="Lucida Sans" pitchFamily="2"/>
+                <a:latin typeface="Arial" panose="020B0604020202020204" pitchFamily="18"/>
+                <a:ea typeface="Microsoft YaHei" panose="020B0503020204020204" pitchFamily="2" charset="-122"/>
+                <a:cs typeface="Lucida Sans" panose="020B0602030504020204" pitchFamily="2"/>
               </a:rPr>
               <a:t>HOME</a:t>
             </a:r>
             <a:endParaRPr lang="en-US" sz="1600" dirty="0">
-              <a:latin typeface="Arial" pitchFamily="18"/>
-              <a:ea typeface="Microsoft YaHei" pitchFamily="2"/>
-              <a:cs typeface="Lucida Sans" pitchFamily="2"/>
+              <a:latin typeface="Arial" panose="020B0604020202020204" pitchFamily="18"/>
+              <a:ea typeface="Microsoft YaHei" panose="020B0503020204020204" pitchFamily="2" charset="-122"/>
+              <a:cs typeface="Lucida Sans" panose="020B0602030504020204" pitchFamily="2"/>
             </a:endParaRPr>
           </a:p>
         </p:txBody>
@@ -17315,16 +17403,16 @@
             </a:pPr>
             <a:r>
               <a:rPr lang="en-US" sz="1600" dirty="0" smtClean="0">
-                <a:latin typeface="Arial" pitchFamily="18"/>
-                <a:ea typeface="Microsoft YaHei" pitchFamily="2"/>
-                <a:cs typeface="Lucida Sans" pitchFamily="2"/>
+                <a:latin typeface="Arial" panose="020B0604020202020204" pitchFamily="18"/>
+                <a:ea typeface="Microsoft YaHei" panose="020B0503020204020204" pitchFamily="2" charset="-122"/>
+                <a:cs typeface="Lucida Sans" panose="020B0602030504020204" pitchFamily="2"/>
               </a:rPr>
               <a:t>OK</a:t>
             </a:r>
             <a:endParaRPr lang="en-US" sz="1600" dirty="0">
-              <a:latin typeface="Arial" pitchFamily="18"/>
-              <a:ea typeface="Microsoft YaHei" pitchFamily="2"/>
-              <a:cs typeface="Lucida Sans" pitchFamily="2"/>
+              <a:latin typeface="Arial" panose="020B0604020202020204" pitchFamily="18"/>
+              <a:ea typeface="Microsoft YaHei" panose="020B0503020204020204" pitchFamily="2" charset="-122"/>
+              <a:cs typeface="Lucida Sans" panose="020B0602030504020204" pitchFamily="2"/>
             </a:endParaRPr>
           </a:p>
         </p:txBody>
@@ -17411,16 +17499,16 @@
             </a:pPr>
             <a:r>
               <a:rPr lang="en-US" sz="1600" dirty="0" smtClean="0">
-                <a:latin typeface="Arial" pitchFamily="18"/>
-                <a:ea typeface="Microsoft YaHei" pitchFamily="2"/>
-                <a:cs typeface="Lucida Sans" pitchFamily="2"/>
+                <a:latin typeface="Arial" panose="020B0604020202020204" pitchFamily="18"/>
+                <a:ea typeface="Microsoft YaHei" panose="020B0503020204020204" pitchFamily="2" charset="-122"/>
+                <a:cs typeface="Lucida Sans" panose="020B0602030504020204" pitchFamily="2"/>
               </a:rPr>
               <a:t>SWAP</a:t>
             </a:r>
             <a:endParaRPr lang="en-US" sz="1600" dirty="0">
-              <a:latin typeface="Arial" pitchFamily="18"/>
-              <a:ea typeface="Microsoft YaHei" pitchFamily="2"/>
-              <a:cs typeface="Lucida Sans" pitchFamily="2"/>
+              <a:latin typeface="Arial" panose="020B0604020202020204" pitchFamily="18"/>
+              <a:ea typeface="Microsoft YaHei" panose="020B0503020204020204" pitchFamily="2" charset="-122"/>
+              <a:cs typeface="Lucida Sans" panose="020B0602030504020204" pitchFamily="2"/>
             </a:endParaRPr>
           </a:p>
         </p:txBody>
@@ -17541,12 +17629,12 @@
               <a:gd name="f98" fmla="*/ f95 f29 1"/>
             </a:gdLst>
             <a:ahLst>
-              <a:ahXY gdRefX="f0" minX="f7" maxX="f10" gdRefY="" minY="0" maxY="0">
+              <a:ahXY gdRefX="f0" minX="f7" maxX="f10">
                 <a:pos x="f36" y="f37"/>
               </a:ahXY>
             </a:ahLst>
             <a:cxnLst>
-              <a:cxn ang="3cd4">
+              <a:cxn ang="3">
                 <a:pos x="hc" y="t"/>
               </a:cxn>
               <a:cxn ang="0">
@@ -17651,9 +17739,9 @@
               <a:buNone/>
             </a:pPr>
             <a:endParaRPr lang="en-US" sz="1600" dirty="0">
-              <a:latin typeface="Arial" pitchFamily="18"/>
-              <a:ea typeface="Microsoft YaHei" pitchFamily="2"/>
-              <a:cs typeface="Lucida Sans" pitchFamily="2"/>
+              <a:latin typeface="Arial" panose="020B0604020202020204" pitchFamily="18"/>
+              <a:ea typeface="Microsoft YaHei" panose="020B0503020204020204" pitchFamily="2" charset="-122"/>
+              <a:cs typeface="Lucida Sans" panose="020B0602030504020204" pitchFamily="2"/>
             </a:endParaRPr>
           </a:p>
         </p:txBody>
@@ -17774,12 +17862,12 @@
               <a:gd name="f98" fmla="*/ f95 f29 1"/>
             </a:gdLst>
             <a:ahLst>
-              <a:ahXY gdRefX="f0" minX="f7" maxX="f10" gdRefY="" minY="0" maxY="0">
+              <a:ahXY gdRefX="f0" minX="f7" maxX="f10">
                 <a:pos x="f36" y="f37"/>
               </a:ahXY>
             </a:ahLst>
             <a:cxnLst>
-              <a:cxn ang="3cd4">
+              <a:cxn ang="3">
                 <a:pos x="hc" y="t"/>
               </a:cxn>
               <a:cxn ang="0">
@@ -17884,9 +17972,9 @@
               <a:buNone/>
             </a:pPr>
             <a:endParaRPr lang="en-US" sz="1600" dirty="0">
-              <a:latin typeface="Arial" pitchFamily="18"/>
-              <a:ea typeface="Microsoft YaHei" pitchFamily="2"/>
-              <a:cs typeface="Lucida Sans" pitchFamily="2"/>
+              <a:latin typeface="Arial" panose="020B0604020202020204" pitchFamily="18"/>
+              <a:ea typeface="Microsoft YaHei" panose="020B0503020204020204" pitchFamily="2" charset="-122"/>
+              <a:cs typeface="Lucida Sans" panose="020B0602030504020204" pitchFamily="2"/>
             </a:endParaRPr>
           </a:p>
         </p:txBody>
@@ -18007,12 +18095,12 @@
               <a:gd name="f98" fmla="*/ f95 f29 1"/>
             </a:gdLst>
             <a:ahLst>
-              <a:ahXY gdRefX="f0" minX="f7" maxX="f10" gdRefY="" minY="0" maxY="0">
+              <a:ahXY gdRefX="f0" minX="f7" maxX="f10">
                 <a:pos x="f36" y="f37"/>
               </a:ahXY>
             </a:ahLst>
             <a:cxnLst>
-              <a:cxn ang="3cd4">
+              <a:cxn ang="3">
                 <a:pos x="hc" y="t"/>
               </a:cxn>
               <a:cxn ang="0">
@@ -18117,9 +18205,9 @@
               <a:buNone/>
             </a:pPr>
             <a:endParaRPr lang="en-US" sz="1600" dirty="0">
-              <a:latin typeface="Arial" pitchFamily="18"/>
-              <a:ea typeface="Microsoft YaHei" pitchFamily="2"/>
-              <a:cs typeface="Lucida Sans" pitchFamily="2"/>
+              <a:latin typeface="Arial" panose="020B0604020202020204" pitchFamily="18"/>
+              <a:ea typeface="Microsoft YaHei" panose="020B0503020204020204" pitchFamily="2" charset="-122"/>
+              <a:cs typeface="Lucida Sans" panose="020B0602030504020204" pitchFamily="2"/>
             </a:endParaRPr>
           </a:p>
         </p:txBody>
@@ -18240,12 +18328,12 @@
               <a:gd name="f98" fmla="*/ f95 f29 1"/>
             </a:gdLst>
             <a:ahLst>
-              <a:ahXY gdRefX="f0" minX="f7" maxX="f10" gdRefY="" minY="0" maxY="0">
+              <a:ahXY gdRefX="f0" minX="f7" maxX="f10">
                 <a:pos x="f36" y="f37"/>
               </a:ahXY>
             </a:ahLst>
             <a:cxnLst>
-              <a:cxn ang="3cd4">
+              <a:cxn ang="3">
                 <a:pos x="hc" y="t"/>
               </a:cxn>
               <a:cxn ang="0">
@@ -18350,9 +18438,9 @@
               <a:buNone/>
             </a:pPr>
             <a:endParaRPr lang="en-US" sz="1600" dirty="0">
-              <a:latin typeface="Arial" pitchFamily="18"/>
-              <a:ea typeface="Microsoft YaHei" pitchFamily="2"/>
-              <a:cs typeface="Lucida Sans" pitchFamily="2"/>
+              <a:latin typeface="Arial" panose="020B0604020202020204" pitchFamily="18"/>
+              <a:ea typeface="Microsoft YaHei" panose="020B0503020204020204" pitchFamily="2" charset="-122"/>
+              <a:cs typeface="Lucida Sans" panose="020B0602030504020204" pitchFamily="2"/>
             </a:endParaRPr>
           </a:p>
         </p:txBody>
@@ -18380,7 +18468,7 @@
           <a:lstStyle/>
           <a:p>
             <a:pPr>
-              <a:buFont typeface="Arial" pitchFamily="34" charset="0"/>
+              <a:buFont typeface="Arial" panose="020B0604020202020204" pitchFamily="34" charset="0"/>
               <a:buChar char="•"/>
             </a:pPr>
             <a:r>
@@ -18403,10 +18491,11 @@
               <a:rPr lang="en-US" sz="1300" dirty="0" smtClean="0"/>
               <a:t>press “PROG”. The program page will be shown.</a:t>
             </a:r>
+            <a:endParaRPr lang="en-US" sz="1300" dirty="0" smtClean="0"/>
           </a:p>
           <a:p>
             <a:pPr>
-              <a:buFont typeface="Arial" pitchFamily="34" charset="0"/>
+              <a:buFont typeface="Arial" panose="020B0604020202020204" pitchFamily="34" charset="0"/>
               <a:buChar char="•"/>
             </a:pPr>
             <a:r>
@@ -18429,7 +18518,7 @@
           </a:p>
           <a:p>
             <a:pPr>
-              <a:buFont typeface="Arial" pitchFamily="34" charset="0"/>
+              <a:buFont typeface="Arial" panose="020B0604020202020204" pitchFamily="34" charset="0"/>
               <a:buChar char="•"/>
             </a:pPr>
             <a:r>
@@ -18692,12 +18781,12 @@
               <a:gd name="f98" fmla="*/ f95 f29 1"/>
             </a:gdLst>
             <a:ahLst>
-              <a:ahXY gdRefX="f0" minX="f7" maxX="f10" gdRefY="" minY="0" maxY="0">
+              <a:ahXY gdRefX="f0" minX="f7" maxX="f10">
                 <a:pos x="f36" y="f37"/>
               </a:ahXY>
             </a:ahLst>
             <a:cxnLst>
-              <a:cxn ang="3cd4">
+              <a:cxn ang="3">
                 <a:pos x="hc" y="t"/>
               </a:cxn>
               <a:cxn ang="0">
@@ -18802,9 +18891,9 @@
               <a:buNone/>
             </a:pPr>
             <a:endParaRPr lang="en-US" sz="1600" dirty="0">
-              <a:latin typeface="Arial" pitchFamily="18"/>
-              <a:ea typeface="Microsoft YaHei" pitchFamily="2"/>
-              <a:cs typeface="Lucida Sans" pitchFamily="2"/>
+              <a:latin typeface="Arial" panose="020B0604020202020204" pitchFamily="18"/>
+              <a:ea typeface="Microsoft YaHei" panose="020B0503020204020204" pitchFamily="2" charset="-122"/>
+              <a:cs typeface="Lucida Sans" panose="020B0602030504020204" pitchFamily="2"/>
             </a:endParaRPr>
           </a:p>
         </p:txBody>
@@ -18925,12 +19014,12 @@
               <a:gd name="f98" fmla="*/ f95 f29 1"/>
             </a:gdLst>
             <a:ahLst>
-              <a:ahXY gdRefX="f0" minX="f7" maxX="f10" gdRefY="" minY="0" maxY="0">
+              <a:ahXY gdRefX="f0" minX="f7" maxX="f10">
                 <a:pos x="f36" y="f37"/>
               </a:ahXY>
             </a:ahLst>
             <a:cxnLst>
-              <a:cxn ang="3cd4">
+              <a:cxn ang="3">
                 <a:pos x="hc" y="t"/>
               </a:cxn>
               <a:cxn ang="0">
@@ -19035,9 +19124,9 @@
               <a:buNone/>
             </a:pPr>
             <a:endParaRPr lang="en-US" sz="1600" dirty="0">
-              <a:latin typeface="Arial" pitchFamily="18"/>
-              <a:ea typeface="Microsoft YaHei" pitchFamily="2"/>
-              <a:cs typeface="Lucida Sans" pitchFamily="2"/>
+              <a:latin typeface="Arial" panose="020B0604020202020204" pitchFamily="18"/>
+              <a:ea typeface="Microsoft YaHei" panose="020B0503020204020204" pitchFamily="2" charset="-122"/>
+              <a:cs typeface="Lucida Sans" panose="020B0602030504020204" pitchFamily="2"/>
             </a:endParaRPr>
           </a:p>
         </p:txBody>
@@ -19124,16 +19213,16 @@
             </a:pPr>
             <a:r>
               <a:rPr lang="en-US" sz="1600" dirty="0" smtClean="0">
-                <a:latin typeface="Arial" pitchFamily="18"/>
-                <a:ea typeface="Microsoft YaHei" pitchFamily="2"/>
-                <a:cs typeface="Lucida Sans" pitchFamily="2"/>
+                <a:latin typeface="Arial" panose="020B0604020202020204" pitchFamily="18"/>
+                <a:ea typeface="Microsoft YaHei" panose="020B0503020204020204" pitchFamily="2" charset="-122"/>
+                <a:cs typeface="Lucida Sans" panose="020B0602030504020204" pitchFamily="2"/>
               </a:rPr>
               <a:t>PREV</a:t>
             </a:r>
             <a:endParaRPr lang="en-US" sz="1600" dirty="0">
-              <a:latin typeface="Arial" pitchFamily="18"/>
-              <a:ea typeface="Microsoft YaHei" pitchFamily="2"/>
-              <a:cs typeface="Lucida Sans" pitchFamily="2"/>
+              <a:latin typeface="Arial" panose="020B0604020202020204" pitchFamily="18"/>
+              <a:ea typeface="Microsoft YaHei" panose="020B0503020204020204" pitchFamily="2" charset="-122"/>
+              <a:cs typeface="Lucida Sans" panose="020B0602030504020204" pitchFamily="2"/>
             </a:endParaRPr>
           </a:p>
         </p:txBody>
@@ -19220,16 +19309,16 @@
             </a:pPr>
             <a:r>
               <a:rPr lang="en-US" sz="1600" dirty="0" smtClean="0">
-                <a:latin typeface="Arial" pitchFamily="18"/>
-                <a:ea typeface="Microsoft YaHei" pitchFamily="2"/>
-                <a:cs typeface="Lucida Sans" pitchFamily="2"/>
+                <a:latin typeface="Arial" panose="020B0604020202020204" pitchFamily="18"/>
+                <a:ea typeface="Microsoft YaHei" panose="020B0503020204020204" pitchFamily="2" charset="-122"/>
+                <a:cs typeface="Lucida Sans" panose="020B0602030504020204" pitchFamily="2"/>
               </a:rPr>
               <a:t>NEXT</a:t>
             </a:r>
             <a:endParaRPr lang="en-US" sz="1600" dirty="0">
-              <a:latin typeface="Arial" pitchFamily="18"/>
-              <a:ea typeface="Microsoft YaHei" pitchFamily="2"/>
-              <a:cs typeface="Lucida Sans" pitchFamily="2"/>
+              <a:latin typeface="Arial" panose="020B0604020202020204" pitchFamily="18"/>
+              <a:ea typeface="Microsoft YaHei" panose="020B0503020204020204" pitchFamily="2" charset="-122"/>
+              <a:cs typeface="Lucida Sans" panose="020B0602030504020204" pitchFamily="2"/>
             </a:endParaRPr>
           </a:p>
         </p:txBody>
@@ -19636,24 +19725,24 @@
             </a:pPr>
             <a:r>
               <a:rPr lang="en-US" sz="1300" dirty="0">
-                <a:latin typeface="Arial" pitchFamily="18"/>
-                <a:ea typeface="Microsoft YaHei" pitchFamily="2"/>
-                <a:cs typeface="Lucida Sans" pitchFamily="2"/>
+                <a:latin typeface="Arial" panose="020B0604020202020204" pitchFamily="18"/>
+                <a:ea typeface="Microsoft YaHei" panose="020B0503020204020204" pitchFamily="2" charset="-122"/>
+                <a:cs typeface="Lucida Sans" panose="020B0602030504020204" pitchFamily="2"/>
               </a:rPr>
               <a:t>A </a:t>
             </a:r>
             <a:r>
               <a:rPr lang="en-US" sz="1300" dirty="0" smtClean="0">
-                <a:latin typeface="Arial" pitchFamily="18"/>
-                <a:ea typeface="Microsoft YaHei" pitchFamily="2"/>
-                <a:cs typeface="Lucida Sans" pitchFamily="2"/>
+                <a:latin typeface="Arial" panose="020B0604020202020204" pitchFamily="18"/>
+                <a:ea typeface="Microsoft YaHei" panose="020B0503020204020204" pitchFamily="2" charset="-122"/>
+                <a:cs typeface="Lucida Sans" panose="020B0602030504020204" pitchFamily="2"/>
               </a:rPr>
               <a:t>83X </a:t>
             </a:r>
             <a:endParaRPr lang="en-US" sz="1300" dirty="0">
-              <a:latin typeface="Arial" pitchFamily="18"/>
-              <a:ea typeface="Microsoft YaHei" pitchFamily="2"/>
-              <a:cs typeface="Lucida Sans" pitchFamily="2"/>
+              <a:latin typeface="Arial" panose="020B0604020202020204" pitchFamily="18"/>
+              <a:ea typeface="Microsoft YaHei" panose="020B0503020204020204" pitchFamily="2" charset="-122"/>
+              <a:cs typeface="Lucida Sans" panose="020B0602030504020204" pitchFamily="2"/>
             </a:endParaRPr>
           </a:p>
         </p:txBody>
@@ -19740,16 +19829,16 @@
             </a:pPr>
             <a:r>
               <a:rPr lang="en-US" sz="1300" dirty="0" smtClean="0">
-                <a:latin typeface="Arial" pitchFamily="18"/>
-                <a:ea typeface="Microsoft YaHei" pitchFamily="2"/>
-                <a:cs typeface="Lucida Sans" pitchFamily="2"/>
+                <a:latin typeface="Arial" panose="020B0604020202020204" pitchFamily="18"/>
+                <a:ea typeface="Microsoft YaHei" panose="020B0503020204020204" pitchFamily="2" charset="-122"/>
+                <a:cs typeface="Lucida Sans" panose="020B0602030504020204" pitchFamily="2"/>
               </a:rPr>
               <a:t>S 22Y</a:t>
             </a:r>
             <a:endParaRPr lang="en-US" sz="1300" dirty="0">
-              <a:latin typeface="Arial" pitchFamily="18"/>
-              <a:ea typeface="Microsoft YaHei" pitchFamily="2"/>
-              <a:cs typeface="Lucida Sans" pitchFamily="2"/>
+              <a:latin typeface="Arial" panose="020B0604020202020204" pitchFamily="18"/>
+              <a:ea typeface="Microsoft YaHei" panose="020B0503020204020204" pitchFamily="2" charset="-122"/>
+              <a:cs typeface="Lucida Sans" panose="020B0602030504020204" pitchFamily="2"/>
             </a:endParaRPr>
           </a:p>
         </p:txBody>
@@ -19836,16 +19925,16 @@
             </a:pPr>
             <a:r>
               <a:rPr lang="en-US" sz="1300" dirty="0" smtClean="0">
-                <a:latin typeface="Arial" pitchFamily="18"/>
-                <a:ea typeface="Microsoft YaHei" pitchFamily="2"/>
-                <a:cs typeface="Lucida Sans" pitchFamily="2"/>
+                <a:latin typeface="Arial" panose="020B0604020202020204" pitchFamily="18"/>
+                <a:ea typeface="Microsoft YaHei" panose="020B0503020204020204" pitchFamily="2" charset="-122"/>
+                <a:cs typeface="Lucida Sans" panose="020B0602030504020204" pitchFamily="2"/>
               </a:rPr>
               <a:t>PROG</a:t>
             </a:r>
             <a:endParaRPr lang="en-US" sz="1300" dirty="0">
-              <a:latin typeface="Arial" pitchFamily="18"/>
-              <a:ea typeface="Microsoft YaHei" pitchFamily="2"/>
-              <a:cs typeface="Lucida Sans" pitchFamily="2"/>
+              <a:latin typeface="Arial" panose="020B0604020202020204" pitchFamily="18"/>
+              <a:ea typeface="Microsoft YaHei" panose="020B0503020204020204" pitchFamily="2" charset="-122"/>
+              <a:cs typeface="Lucida Sans" panose="020B0602030504020204" pitchFamily="2"/>
             </a:endParaRPr>
           </a:p>
         </p:txBody>
@@ -20174,8 +20263,11 @@
       </a:bgFillStyleLst>
     </a:fmtScheme>
   </a:themeElements>
-  <a:objectDefaults/>
-  <a:extraClrSchemeLst/>
+  <a:extLst>
+    <a:ext uri="{05A4C25C-085E-4340-85A3-A5531E510DB2}">
+      <thm15:themeFamily xmlns:thm15="http://schemas.microsoft.com/office/thememl/2012/main" name="Office Theme" id="{62F939B6-93AF-4DB8-9C6B-D6C7DFDC589F}" vid="{4A3C46E8-61CC-4603-A589-7422A47A8E4A}"/>
+    </a:ext>
+  </a:extLst>
 </a:theme>
 </file>
 
@@ -20457,7 +20549,10 @@
       </a:bgFillStyleLst>
     </a:fmtScheme>
   </a:themeElements>
-  <a:objectDefaults/>
-  <a:extraClrSchemeLst/>
+  <a:extLst>
+    <a:ext uri="{05A4C25C-085E-4340-85A3-A5531E510DB2}">
+      <thm15:themeFamily xmlns:thm15="http://schemas.microsoft.com/office/thememl/2012/main" name="Office Theme" id="{62F939B6-93AF-4DB8-9C6B-D6C7DFDC589F}" vid="{4A3C46E8-61CC-4603-A589-7422A47A8E4A}"/>
+    </a:ext>
+  </a:extLst>
 </a:theme>
 </file>